--- a/_SLIDES/DEEL1/H3/7_Debuggen.pptx
+++ b/_SLIDES/DEEL1/H3/7_Debuggen.pptx
@@ -5,48 +5,51 @@
     <p:sldMasterId id="2147483672" r:id="rId1"/>
   </p:sldMasterIdLst>
   <p:notesMasterIdLst>
-    <p:notesMasterId r:id="rId16"/>
+    <p:notesMasterId r:id="rId19"/>
   </p:notesMasterIdLst>
   <p:handoutMasterIdLst>
-    <p:handoutMasterId r:id="rId17"/>
+    <p:handoutMasterId r:id="rId20"/>
   </p:handoutMasterIdLst>
   <p:sldIdLst>
     <p:sldId id="256" r:id="rId2"/>
     <p:sldId id="274" r:id="rId3"/>
     <p:sldId id="259" r:id="rId4"/>
-    <p:sldId id="261" r:id="rId5"/>
-    <p:sldId id="264" r:id="rId6"/>
-    <p:sldId id="263" r:id="rId7"/>
-    <p:sldId id="266" r:id="rId8"/>
-    <p:sldId id="268" r:id="rId9"/>
-    <p:sldId id="269" r:id="rId10"/>
-    <p:sldId id="265" r:id="rId11"/>
-    <p:sldId id="257" r:id="rId12"/>
-    <p:sldId id="271" r:id="rId13"/>
-    <p:sldId id="272" r:id="rId14"/>
-    <p:sldId id="273" r:id="rId15"/>
+    <p:sldId id="264" r:id="rId5"/>
+    <p:sldId id="263" r:id="rId6"/>
+    <p:sldId id="266" r:id="rId7"/>
+    <p:sldId id="268" r:id="rId8"/>
+    <p:sldId id="269" r:id="rId9"/>
+    <p:sldId id="294" r:id="rId10"/>
+    <p:sldId id="296" r:id="rId11"/>
+    <p:sldId id="297" r:id="rId12"/>
+    <p:sldId id="298" r:id="rId13"/>
+    <p:sldId id="265" r:id="rId14"/>
+    <p:sldId id="271" r:id="rId15"/>
+    <p:sldId id="272" r:id="rId16"/>
+    <p:sldId id="273" r:id="rId17"/>
+    <p:sldId id="295" r:id="rId18"/>
   </p:sldIdLst>
   <p:sldSz cx="12192000" cy="6858000"/>
   <p:notesSz cx="7099300" cy="10234613"/>
   <p:embeddedFontLst>
     <p:embeddedFont>
       <p:font typeface="Calibri" panose="020F0502020204030204" pitchFamily="34" charset="0"/>
-      <p:regular r:id="rId18"/>
-      <p:bold r:id="rId19"/>
-      <p:italic r:id="rId20"/>
-      <p:boldItalic r:id="rId21"/>
+      <p:regular r:id="rId21"/>
+      <p:bold r:id="rId22"/>
+      <p:italic r:id="rId23"/>
+      <p:boldItalic r:id="rId24"/>
     </p:embeddedFont>
     <p:embeddedFont>
       <p:font typeface="Calibri Light" panose="020F0302020204030204" pitchFamily="34" charset="0"/>
-      <p:regular r:id="rId22"/>
-      <p:italic r:id="rId23"/>
+      <p:regular r:id="rId25"/>
+      <p:italic r:id="rId26"/>
     </p:embeddedFont>
     <p:embeddedFont>
       <p:font typeface="Consolas" panose="020B0609020204030204" pitchFamily="49" charset="0"/>
-      <p:regular r:id="rId24"/>
-      <p:bold r:id="rId25"/>
-      <p:italic r:id="rId26"/>
-      <p:boldItalic r:id="rId27"/>
+      <p:regular r:id="rId27"/>
+      <p:bold r:id="rId28"/>
+      <p:italic r:id="rId29"/>
+      <p:boldItalic r:id="rId30"/>
     </p:embeddedFont>
   </p:embeddedFontLst>
   <p:defaultTextStyle>
@@ -6485,7 +6488,7 @@
           <a:p>
             <a:fld id="{85EE1F57-E73E-475C-872F-886F27274373}" type="datetimeFigureOut">
               <a:rPr lang="nl-BE" smtClean="0"/>
-              <a:t>10/10/2018</a:t>
+              <a:t>7/10/2019</a:t>
             </a:fld>
             <a:endParaRPr lang="nl-BE"/>
           </a:p>
@@ -6650,7 +6653,7 @@
           <a:p>
             <a:fld id="{E0BBF532-A5DD-4E27-82A5-D972027CDA5D}" type="datetimeFigureOut">
               <a:rPr lang="nl-BE" smtClean="0"/>
-              <a:t>10/10/2018</a:t>
+              <a:t>7/10/2019</a:t>
             </a:fld>
             <a:endParaRPr lang="nl-BE"/>
           </a:p>
@@ -7304,373 +7307,6 @@
       </p:grpSpPr>
       <p:sp>
         <p:nvSpPr>
-          <p:cNvPr id="33794" name="Rectangle 7"/>
-          <p:cNvSpPr>
-            <a:spLocks noGrp="1" noChangeArrowheads="1"/>
-          </p:cNvSpPr>
-          <p:nvPr>
-            <p:ph type="sldNum" sz="quarter" idx="5"/>
-          </p:nvPr>
-        </p:nvSpPr>
-        <p:spPr>
-          <a:noFill/>
-          <a:ln/>
-          <a:extLst>
-            <a:ext uri="{909E8E84-426E-40DD-AFC4-6F175D3DCCD1}">
-              <a14:hiddenFill xmlns:a14="http://schemas.microsoft.com/office/drawing/2010/main">
-                <a:solidFill>
-                  <a:srgbClr val="FFFFFF"/>
-                </a:solidFill>
-              </a14:hiddenFill>
-            </a:ext>
-            <a:ext uri="{91240B29-F687-4F45-9708-019B960494DF}">
-              <a14:hiddenLine xmlns:a14="http://schemas.microsoft.com/office/drawing/2010/main" w="9525">
-                <a:solidFill>
-                  <a:srgbClr val="000000"/>
-                </a:solidFill>
-                <a:miter lim="800000"/>
-                <a:headEnd/>
-                <a:tailEnd/>
-              </a14:hiddenLine>
-            </a:ext>
-          </a:extLst>
-        </p:spPr>
-        <p:txBody>
-          <a:bodyPr/>
-          <a:lstStyle>
-            <a:lvl1pPr eaLnBrk="0" hangingPunct="0">
-              <a:defRPr>
-                <a:solidFill>
-                  <a:schemeClr val="tx1"/>
-                </a:solidFill>
-                <a:latin typeface="Arial" charset="0"/>
-              </a:defRPr>
-            </a:lvl1pPr>
-            <a:lvl2pPr marL="804763" indent="-309524" eaLnBrk="0" hangingPunct="0">
-              <a:defRPr>
-                <a:solidFill>
-                  <a:schemeClr val="tx1"/>
-                </a:solidFill>
-                <a:latin typeface="Arial" charset="0"/>
-              </a:defRPr>
-            </a:lvl2pPr>
-            <a:lvl3pPr marL="1238098" indent="-247620" eaLnBrk="0" hangingPunct="0">
-              <a:defRPr>
-                <a:solidFill>
-                  <a:schemeClr val="tx1"/>
-                </a:solidFill>
-                <a:latin typeface="Arial" charset="0"/>
-              </a:defRPr>
-            </a:lvl3pPr>
-            <a:lvl4pPr marL="1733337" indent="-247620" eaLnBrk="0" hangingPunct="0">
-              <a:defRPr>
-                <a:solidFill>
-                  <a:schemeClr val="tx1"/>
-                </a:solidFill>
-                <a:latin typeface="Arial" charset="0"/>
-              </a:defRPr>
-            </a:lvl4pPr>
-            <a:lvl5pPr marL="2228576" indent="-247620" eaLnBrk="0" hangingPunct="0">
-              <a:defRPr>
-                <a:solidFill>
-                  <a:schemeClr val="tx1"/>
-                </a:solidFill>
-                <a:latin typeface="Arial" charset="0"/>
-              </a:defRPr>
-            </a:lvl5pPr>
-            <a:lvl6pPr marL="2723815" indent="-247620" eaLnBrk="0" fontAlgn="base" hangingPunct="0">
-              <a:spcBef>
-                <a:spcPct val="0"/>
-              </a:spcBef>
-              <a:spcAft>
-                <a:spcPct val="0"/>
-              </a:spcAft>
-              <a:defRPr>
-                <a:solidFill>
-                  <a:schemeClr val="tx1"/>
-                </a:solidFill>
-                <a:latin typeface="Arial" charset="0"/>
-              </a:defRPr>
-            </a:lvl6pPr>
-            <a:lvl7pPr marL="3219054" indent="-247620" eaLnBrk="0" fontAlgn="base" hangingPunct="0">
-              <a:spcBef>
-                <a:spcPct val="0"/>
-              </a:spcBef>
-              <a:spcAft>
-                <a:spcPct val="0"/>
-              </a:spcAft>
-              <a:defRPr>
-                <a:solidFill>
-                  <a:schemeClr val="tx1"/>
-                </a:solidFill>
-                <a:latin typeface="Arial" charset="0"/>
-              </a:defRPr>
-            </a:lvl7pPr>
-            <a:lvl8pPr marL="3714293" indent="-247620" eaLnBrk="0" fontAlgn="base" hangingPunct="0">
-              <a:spcBef>
-                <a:spcPct val="0"/>
-              </a:spcBef>
-              <a:spcAft>
-                <a:spcPct val="0"/>
-              </a:spcAft>
-              <a:defRPr>
-                <a:solidFill>
-                  <a:schemeClr val="tx1"/>
-                </a:solidFill>
-                <a:latin typeface="Arial" charset="0"/>
-              </a:defRPr>
-            </a:lvl8pPr>
-            <a:lvl9pPr marL="4209532" indent="-247620" eaLnBrk="0" fontAlgn="base" hangingPunct="0">
-              <a:spcBef>
-                <a:spcPct val="0"/>
-              </a:spcBef>
-              <a:spcAft>
-                <a:spcPct val="0"/>
-              </a:spcAft>
-              <a:defRPr>
-                <a:solidFill>
-                  <a:schemeClr val="tx1"/>
-                </a:solidFill>
-                <a:latin typeface="Arial" charset="0"/>
-              </a:defRPr>
-            </a:lvl9pPr>
-          </a:lstStyle>
-          <a:p>
-            <a:pPr eaLnBrk="1" hangingPunct="1"/>
-            <a:fld id="{2D35568F-65A7-4329-A6C2-70C2FB6568D6}" type="slidenum">
-              <a:rPr lang="nl-NL" smtClean="0"/>
-              <a:pPr eaLnBrk="1" hangingPunct="1"/>
-              <a:t>4</a:t>
-            </a:fld>
-            <a:endParaRPr lang="nl-NL"/>
-          </a:p>
-        </p:txBody>
-      </p:sp>
-      <p:sp>
-        <p:nvSpPr>
-          <p:cNvPr id="33795" name="Rectangle 2"/>
-          <p:cNvSpPr>
-            <a:spLocks noGrp="1" noRot="1" noChangeAspect="1" noChangeArrowheads="1" noTextEdit="1"/>
-          </p:cNvSpPr>
-          <p:nvPr>
-            <p:ph type="sldImg"/>
-          </p:nvPr>
-        </p:nvSpPr>
-        <p:spPr>
-          <a:ln/>
-        </p:spPr>
-      </p:sp>
-      <p:sp>
-        <p:nvSpPr>
-          <p:cNvPr id="33796" name="Rectangle 3"/>
-          <p:cNvSpPr>
-            <a:spLocks noGrp="1" noChangeArrowheads="1"/>
-          </p:cNvSpPr>
-          <p:nvPr>
-            <p:ph type="body" idx="1"/>
-          </p:nvPr>
-        </p:nvSpPr>
-        <p:spPr>
-          <a:noFill/>
-          <a:ln/>
-          <a:extLst>
-            <a:ext uri="{909E8E84-426E-40DD-AFC4-6F175D3DCCD1}">
-              <a14:hiddenFill xmlns:a14="http://schemas.microsoft.com/office/drawing/2010/main">
-                <a:solidFill>
-                  <a:srgbClr val="FFFFFF"/>
-                </a:solidFill>
-              </a14:hiddenFill>
-            </a:ext>
-            <a:ext uri="{91240B29-F687-4F45-9708-019B960494DF}">
-              <a14:hiddenLine xmlns:a14="http://schemas.microsoft.com/office/drawing/2010/main" w="9525">
-                <a:solidFill>
-                  <a:srgbClr val="000000"/>
-                </a:solidFill>
-                <a:miter lim="800000"/>
-                <a:headEnd/>
-                <a:tailEnd/>
-              </a14:hiddenLine>
-            </a:ext>
-          </a:extLst>
-        </p:spPr>
-        <p:txBody>
-          <a:bodyPr/>
-          <a:lstStyle/>
-          <a:p>
-            <a:pPr eaLnBrk="1" hangingPunct="1"/>
-            <a:endParaRPr lang="nl-BE"/>
-          </a:p>
-        </p:txBody>
-      </p:sp>
-      <p:sp>
-        <p:nvSpPr>
-          <p:cNvPr id="33797" name="Footer Placeholder 7"/>
-          <p:cNvSpPr>
-            <a:spLocks noGrp="1"/>
-          </p:cNvSpPr>
-          <p:nvPr>
-            <p:ph type="ftr" sz="quarter" idx="4"/>
-          </p:nvPr>
-        </p:nvSpPr>
-        <p:spPr>
-          <a:noFill/>
-          <a:ln/>
-          <a:extLst>
-            <a:ext uri="{909E8E84-426E-40DD-AFC4-6F175D3DCCD1}">
-              <a14:hiddenFill xmlns:a14="http://schemas.microsoft.com/office/drawing/2010/main">
-                <a:solidFill>
-                  <a:srgbClr val="FFFFFF"/>
-                </a:solidFill>
-              </a14:hiddenFill>
-            </a:ext>
-            <a:ext uri="{91240B29-F687-4F45-9708-019B960494DF}">
-              <a14:hiddenLine xmlns:a14="http://schemas.microsoft.com/office/drawing/2010/main" w="9525">
-                <a:solidFill>
-                  <a:srgbClr val="000000"/>
-                </a:solidFill>
-                <a:miter lim="800000"/>
-                <a:headEnd/>
-                <a:tailEnd/>
-              </a14:hiddenLine>
-            </a:ext>
-          </a:extLst>
-        </p:spPr>
-        <p:txBody>
-          <a:bodyPr/>
-          <a:lstStyle>
-            <a:lvl1pPr eaLnBrk="0" hangingPunct="0">
-              <a:defRPr>
-                <a:solidFill>
-                  <a:schemeClr val="tx1"/>
-                </a:solidFill>
-                <a:latin typeface="Arial" charset="0"/>
-              </a:defRPr>
-            </a:lvl1pPr>
-            <a:lvl2pPr marL="804763" indent="-309524" eaLnBrk="0" hangingPunct="0">
-              <a:defRPr>
-                <a:solidFill>
-                  <a:schemeClr val="tx1"/>
-                </a:solidFill>
-                <a:latin typeface="Arial" charset="0"/>
-              </a:defRPr>
-            </a:lvl2pPr>
-            <a:lvl3pPr marL="1238098" indent="-247620" eaLnBrk="0" hangingPunct="0">
-              <a:defRPr>
-                <a:solidFill>
-                  <a:schemeClr val="tx1"/>
-                </a:solidFill>
-                <a:latin typeface="Arial" charset="0"/>
-              </a:defRPr>
-            </a:lvl3pPr>
-            <a:lvl4pPr marL="1733337" indent="-247620" eaLnBrk="0" hangingPunct="0">
-              <a:defRPr>
-                <a:solidFill>
-                  <a:schemeClr val="tx1"/>
-                </a:solidFill>
-                <a:latin typeface="Arial" charset="0"/>
-              </a:defRPr>
-            </a:lvl4pPr>
-            <a:lvl5pPr marL="2228576" indent="-247620" eaLnBrk="0" hangingPunct="0">
-              <a:defRPr>
-                <a:solidFill>
-                  <a:schemeClr val="tx1"/>
-                </a:solidFill>
-                <a:latin typeface="Arial" charset="0"/>
-              </a:defRPr>
-            </a:lvl5pPr>
-            <a:lvl6pPr marL="2723815" indent="-247620" eaLnBrk="0" fontAlgn="base" hangingPunct="0">
-              <a:spcBef>
-                <a:spcPct val="0"/>
-              </a:spcBef>
-              <a:spcAft>
-                <a:spcPct val="0"/>
-              </a:spcAft>
-              <a:defRPr>
-                <a:solidFill>
-                  <a:schemeClr val="tx1"/>
-                </a:solidFill>
-                <a:latin typeface="Arial" charset="0"/>
-              </a:defRPr>
-            </a:lvl6pPr>
-            <a:lvl7pPr marL="3219054" indent="-247620" eaLnBrk="0" fontAlgn="base" hangingPunct="0">
-              <a:spcBef>
-                <a:spcPct val="0"/>
-              </a:spcBef>
-              <a:spcAft>
-                <a:spcPct val="0"/>
-              </a:spcAft>
-              <a:defRPr>
-                <a:solidFill>
-                  <a:schemeClr val="tx1"/>
-                </a:solidFill>
-                <a:latin typeface="Arial" charset="0"/>
-              </a:defRPr>
-            </a:lvl7pPr>
-            <a:lvl8pPr marL="3714293" indent="-247620" eaLnBrk="0" fontAlgn="base" hangingPunct="0">
-              <a:spcBef>
-                <a:spcPct val="0"/>
-              </a:spcBef>
-              <a:spcAft>
-                <a:spcPct val="0"/>
-              </a:spcAft>
-              <a:defRPr>
-                <a:solidFill>
-                  <a:schemeClr val="tx1"/>
-                </a:solidFill>
-                <a:latin typeface="Arial" charset="0"/>
-              </a:defRPr>
-            </a:lvl8pPr>
-            <a:lvl9pPr marL="4209532" indent="-247620" eaLnBrk="0" fontAlgn="base" hangingPunct="0">
-              <a:spcBef>
-                <a:spcPct val="0"/>
-              </a:spcBef>
-              <a:spcAft>
-                <a:spcPct val="0"/>
-              </a:spcAft>
-              <a:defRPr>
-                <a:solidFill>
-                  <a:schemeClr val="tx1"/>
-                </a:solidFill>
-                <a:latin typeface="Arial" charset="0"/>
-              </a:defRPr>
-            </a:lvl9pPr>
-          </a:lstStyle>
-          <a:p>
-            <a:pPr eaLnBrk="1" hangingPunct="1"/>
-            <a:r>
-              <a:rPr lang="nl-NL"/>
-              <a:t>Hoofdstuk 9</a:t>
-            </a:r>
-          </a:p>
-        </p:txBody>
-      </p:sp>
-    </p:spTree>
-  </p:cSld>
-  <p:clrMapOvr>
-    <a:masterClrMapping/>
-  </p:clrMapOvr>
-</p:notes>
-</file>
-
-<file path=ppt/notesSlides/notesSlide3.xml><?xml version="1.0" encoding="utf-8"?>
-<p:notes xmlns:a="http://schemas.openxmlformats.org/drawingml/2006/main" xmlns:r="http://schemas.openxmlformats.org/officeDocument/2006/relationships" xmlns:p="http://schemas.openxmlformats.org/presentationml/2006/main">
-  <p:cSld>
-    <p:spTree>
-      <p:nvGrpSpPr>
-        <p:cNvPr id="1" name=""/>
-        <p:cNvGrpSpPr/>
-        <p:nvPr/>
-      </p:nvGrpSpPr>
-      <p:grpSpPr>
-        <a:xfrm>
-          <a:off x="0" y="0"/>
-          <a:ext cx="0" cy="0"/>
-          <a:chOff x="0" y="0"/>
-          <a:chExt cx="0" cy="0"/>
-        </a:xfrm>
-      </p:grpSpPr>
-      <p:sp>
-        <p:nvSpPr>
           <p:cNvPr id="36866" name="Rectangle 7"/>
           <p:cNvSpPr>
             <a:spLocks noGrp="1" noChangeArrowheads="1"/>
@@ -7807,7 +7443,7 @@
             <a:fld id="{04A9DDEF-FE6C-44C9-8F59-93A9E6A16459}" type="slidenum">
               <a:rPr lang="nl-NL" smtClean="0"/>
               <a:pPr eaLnBrk="1" hangingPunct="1"/>
-              <a:t>6</a:t>
+              <a:t>5</a:t>
             </a:fld>
             <a:endParaRPr lang="nl-NL"/>
           </a:p>
@@ -8019,7 +7655,7 @@
 </p:notes>
 </file>
 
-<file path=ppt/notesSlides/notesSlide4.xml><?xml version="1.0" encoding="utf-8"?>
+<file path=ppt/notesSlides/notesSlide3.xml><?xml version="1.0" encoding="utf-8"?>
 <p:notes xmlns:a="http://schemas.openxmlformats.org/drawingml/2006/main" xmlns:r="http://schemas.openxmlformats.org/officeDocument/2006/relationships" xmlns:p="http://schemas.openxmlformats.org/presentationml/2006/main">
   <p:cSld>
     <p:spTree>
@@ -8174,7 +7810,7 @@
             <a:fld id="{F9EF5645-88A3-4EB4-B1D5-54140EB0C596}" type="slidenum">
               <a:rPr lang="nl-NL" smtClean="0"/>
               <a:pPr eaLnBrk="1" hangingPunct="1"/>
-              <a:t>7</a:t>
+              <a:t>6</a:t>
             </a:fld>
             <a:endParaRPr lang="nl-NL"/>
           </a:p>
@@ -8386,7 +8022,7 @@
 </p:notes>
 </file>
 
-<file path=ppt/notesSlides/notesSlide5.xml><?xml version="1.0" encoding="utf-8"?>
+<file path=ppt/notesSlides/notesSlide4.xml><?xml version="1.0" encoding="utf-8"?>
 <p:notes xmlns:a="http://schemas.openxmlformats.org/drawingml/2006/main" xmlns:r="http://schemas.openxmlformats.org/officeDocument/2006/relationships" xmlns:p="http://schemas.openxmlformats.org/presentationml/2006/main">
   <p:cSld>
     <p:spTree>
@@ -8541,7 +8177,7 @@
             <a:fld id="{F39AE56A-2633-4CF3-BDF5-556C2B5E217D}" type="slidenum">
               <a:rPr lang="nl-NL" smtClean="0"/>
               <a:pPr eaLnBrk="1" hangingPunct="1"/>
-              <a:t>8</a:t>
+              <a:t>7</a:t>
             </a:fld>
             <a:endParaRPr lang="nl-NL"/>
           </a:p>
@@ -8753,7 +8389,7 @@
 </p:notes>
 </file>
 
-<file path=ppt/notesSlides/notesSlide6.xml><?xml version="1.0" encoding="utf-8"?>
+<file path=ppt/notesSlides/notesSlide5.xml><?xml version="1.0" encoding="utf-8"?>
 <p:notes xmlns:a="http://schemas.openxmlformats.org/drawingml/2006/main" xmlns:r="http://schemas.openxmlformats.org/officeDocument/2006/relationships" xmlns:p="http://schemas.openxmlformats.org/presentationml/2006/main">
   <p:cSld>
     <p:spTree>
@@ -8908,7 +8544,7 @@
             <a:fld id="{34E7E9CD-0DFE-461A-BF14-97CA62374B05}" type="slidenum">
               <a:rPr lang="nl-NL" smtClean="0"/>
               <a:pPr eaLnBrk="1" hangingPunct="1"/>
-              <a:t>10</a:t>
+              <a:t>13</a:t>
             </a:fld>
             <a:endParaRPr lang="nl-NL"/>
           </a:p>
@@ -9269,7 +8905,7 @@
           <a:p>
             <a:fld id="{BCCA6142-F57B-48C8-97F4-E016AC358AB9}" type="datetime1">
               <a:rPr lang="nl-BE" smtClean="0"/>
-              <a:t>10/10/2018</a:t>
+              <a:t>7/10/2019</a:t>
             </a:fld>
             <a:endParaRPr lang="nl-BE" dirty="0"/>
           </a:p>
@@ -9444,7 +9080,7 @@
           <a:p>
             <a:fld id="{5FB9A890-CB95-4A02-8EA4-7544B08DB4E2}" type="datetime1">
               <a:rPr lang="nl-BE" smtClean="0"/>
-              <a:t>10/10/2018</a:t>
+              <a:t>7/10/2019</a:t>
             </a:fld>
             <a:endParaRPr lang="nl-BE"/>
           </a:p>
@@ -9629,7 +9265,7 @@
           <a:p>
             <a:fld id="{813D1D9F-4518-4980-9C0D-8EB7894ABDE4}" type="datetime1">
               <a:rPr lang="nl-BE" smtClean="0"/>
-              <a:t>10/10/2018</a:t>
+              <a:t>7/10/2019</a:t>
             </a:fld>
             <a:endParaRPr lang="nl-BE"/>
           </a:p>
@@ -9804,7 +9440,7 @@
           <a:p>
             <a:fld id="{62BF7167-EA82-4644-8F88-C53816572F96}" type="datetime1">
               <a:rPr lang="nl-BE" smtClean="0"/>
-              <a:t>10/10/2018</a:t>
+              <a:t>7/10/2019</a:t>
             </a:fld>
             <a:endParaRPr lang="nl-BE"/>
           </a:p>
@@ -10055,7 +9691,7 @@
           <a:p>
             <a:fld id="{FC393B68-E771-4EAB-BD5A-988B3BCEC1C4}" type="datetime1">
               <a:rPr lang="nl-BE" smtClean="0"/>
-              <a:t>10/10/2018</a:t>
+              <a:t>7/10/2019</a:t>
             </a:fld>
             <a:endParaRPr lang="nl-BE"/>
           </a:p>
@@ -10298,7 +9934,7 @@
           <a:p>
             <a:fld id="{3FA1FA05-B5D2-497F-81AB-0906CD7F230B}" type="datetime1">
               <a:rPr lang="nl-BE" smtClean="0"/>
-              <a:t>10/10/2018</a:t>
+              <a:t>7/10/2019</a:t>
             </a:fld>
             <a:endParaRPr lang="nl-BE"/>
           </a:p>
@@ -10688,7 +10324,7 @@
           <a:p>
             <a:fld id="{05261B88-F79F-4529-821E-344A934E6946}" type="datetime1">
               <a:rPr lang="nl-BE" smtClean="0"/>
-              <a:t>10/10/2018</a:t>
+              <a:t>7/10/2019</a:t>
             </a:fld>
             <a:endParaRPr lang="nl-BE"/>
           </a:p>
@@ -10805,7 +10441,7 @@
           <a:p>
             <a:fld id="{9D36FFD9-A9CE-4423-9581-2A56F0092606}" type="datetime1">
               <a:rPr lang="nl-BE" smtClean="0"/>
-              <a:t>10/10/2018</a:t>
+              <a:t>7/10/2019</a:t>
             </a:fld>
             <a:endParaRPr lang="nl-BE"/>
           </a:p>
@@ -10893,7 +10529,7 @@
           <a:p>
             <a:fld id="{7896331C-B12C-4B5E-A588-AEBE791B8080}" type="datetime1">
               <a:rPr lang="nl-BE" smtClean="0"/>
-              <a:t>10/10/2018</a:t>
+              <a:t>7/10/2019</a:t>
             </a:fld>
             <a:endParaRPr lang="nl-BE"/>
           </a:p>
@@ -11181,7 +10817,7 @@
           <a:p>
             <a:fld id="{CDDA2E80-F5AF-4838-8E2B-93B8353DFA07}" type="datetime1">
               <a:rPr lang="nl-BE" smtClean="0"/>
-              <a:t>10/10/2018</a:t>
+              <a:t>7/10/2019</a:t>
             </a:fld>
             <a:endParaRPr lang="nl-BE"/>
           </a:p>
@@ -11445,7 +11081,7 @@
           <a:p>
             <a:fld id="{2D0660AB-DEF8-4F0D-B084-808191304D25}" type="datetime1">
               <a:rPr lang="nl-BE" smtClean="0"/>
-              <a:t>10/10/2018</a:t>
+              <a:t>7/10/2019</a:t>
             </a:fld>
             <a:endParaRPr lang="nl-BE"/>
           </a:p>
@@ -11663,7 +11299,7 @@
           <a:p>
             <a:fld id="{A671A349-F1E9-4BB9-BDF1-40D376A3D129}" type="datetime1">
               <a:rPr lang="nl-BE" smtClean="0"/>
-              <a:t>10/10/2018</a:t>
+              <a:t>7/10/2019</a:t>
             </a:fld>
             <a:endParaRPr lang="nl-BE"/>
           </a:p>
@@ -12322,6 +11958,410 @@
       </p:grpSpPr>
       <p:sp>
         <p:nvSpPr>
+          <p:cNvPr id="2" name="Titel 1">
+            <a:extLst>
+              <a:ext uri="{FF2B5EF4-FFF2-40B4-BE49-F238E27FC236}">
+                <a16:creationId xmlns:a16="http://schemas.microsoft.com/office/drawing/2014/main" id="{E51EA0B0-0151-4FAB-B657-C6224C5FB304}"/>
+              </a:ext>
+            </a:extLst>
+          </p:cNvPr>
+          <p:cNvSpPr>
+            <a:spLocks noGrp="1"/>
+          </p:cNvSpPr>
+          <p:nvPr>
+            <p:ph type="title"/>
+          </p:nvPr>
+        </p:nvSpPr>
+        <p:spPr/>
+        <p:txBody>
+          <a:bodyPr/>
+          <a:lstStyle/>
+          <a:p>
+            <a:r>
+              <a:rPr lang="nl-BE" dirty="0"/>
+              <a:t>Debugger starten</a:t>
+            </a:r>
+          </a:p>
+        </p:txBody>
+      </p:sp>
+      <p:pic>
+        <p:nvPicPr>
+          <p:cNvPr id="6" name="Tijdelijke aanduiding voor inhoud 5" descr="Afbeelding met schermafbeelding, monitor, telefoon, computer&#10;&#10;Automatisch gegenereerde beschrijving">
+            <a:extLst>
+              <a:ext uri="{FF2B5EF4-FFF2-40B4-BE49-F238E27FC236}">
+                <a16:creationId xmlns:a16="http://schemas.microsoft.com/office/drawing/2014/main" id="{EDC7BEAD-043F-49B7-82DF-CB0BC71C2BF6}"/>
+              </a:ext>
+            </a:extLst>
+          </p:cNvPr>
+          <p:cNvPicPr>
+            <a:picLocks noGrp="1" noChangeAspect="1"/>
+          </p:cNvPicPr>
+          <p:nvPr>
+            <p:ph idx="1"/>
+          </p:nvPr>
+        </p:nvPicPr>
+        <p:blipFill>
+          <a:blip r:embed="rId2" cstate="print">
+            <a:extLst>
+              <a:ext uri="{28A0092B-C50C-407E-A947-70E740481C1C}">
+                <a14:useLocalDpi xmlns:a14="http://schemas.microsoft.com/office/drawing/2010/main" val="0"/>
+              </a:ext>
+            </a:extLst>
+          </a:blip>
+          <a:stretch>
+            <a:fillRect/>
+          </a:stretch>
+        </p:blipFill>
+        <p:spPr>
+          <a:xfrm>
+            <a:off x="983432" y="1412776"/>
+            <a:ext cx="9361040" cy="5265585"/>
+          </a:xfrm>
+        </p:spPr>
+      </p:pic>
+      <p:sp>
+        <p:nvSpPr>
+          <p:cNvPr id="4" name="Tijdelijke aanduiding voor dianummer 3">
+            <a:extLst>
+              <a:ext uri="{FF2B5EF4-FFF2-40B4-BE49-F238E27FC236}">
+                <a16:creationId xmlns:a16="http://schemas.microsoft.com/office/drawing/2014/main" id="{4C3BD259-151B-48CE-9CB2-00B9933E6EB3}"/>
+              </a:ext>
+            </a:extLst>
+          </p:cNvPr>
+          <p:cNvSpPr>
+            <a:spLocks noGrp="1"/>
+          </p:cNvSpPr>
+          <p:nvPr>
+            <p:ph type="sldNum" sz="quarter" idx="12"/>
+          </p:nvPr>
+        </p:nvSpPr>
+        <p:spPr/>
+        <p:txBody>
+          <a:bodyPr/>
+          <a:lstStyle/>
+          <a:p>
+            <a:fld id="{E8A62353-F7CD-46ED-8877-B27D0E33FCF8}" type="slidenum">
+              <a:rPr lang="nl-BE" smtClean="0"/>
+              <a:t>10</a:t>
+            </a:fld>
+            <a:endParaRPr lang="nl-BE"/>
+          </a:p>
+        </p:txBody>
+      </p:sp>
+    </p:spTree>
+    <p:extLst>
+      <p:ext uri="{BB962C8B-B14F-4D97-AF65-F5344CB8AC3E}">
+        <p14:creationId xmlns:p14="http://schemas.microsoft.com/office/powerpoint/2010/main" val="817521914"/>
+      </p:ext>
+    </p:extLst>
+  </p:cSld>
+  <p:clrMapOvr>
+    <a:masterClrMapping/>
+  </p:clrMapOvr>
+</p:sld>
+</file>
+
+<file path=ppt/slides/slide11.xml><?xml version="1.0" encoding="utf-8"?>
+<p:sld xmlns:a="http://schemas.openxmlformats.org/drawingml/2006/main" xmlns:r="http://schemas.openxmlformats.org/officeDocument/2006/relationships" xmlns:p="http://schemas.openxmlformats.org/presentationml/2006/main">
+  <p:cSld>
+    <p:spTree>
+      <p:nvGrpSpPr>
+        <p:cNvPr id="1" name=""/>
+        <p:cNvGrpSpPr/>
+        <p:nvPr/>
+      </p:nvGrpSpPr>
+      <p:grpSpPr>
+        <a:xfrm>
+          <a:off x="0" y="0"/>
+          <a:ext cx="0" cy="0"/>
+          <a:chOff x="0" y="0"/>
+          <a:chExt cx="0" cy="0"/>
+        </a:xfrm>
+      </p:grpSpPr>
+      <p:sp>
+        <p:nvSpPr>
+          <p:cNvPr id="2" name="Titel 1">
+            <a:extLst>
+              <a:ext uri="{FF2B5EF4-FFF2-40B4-BE49-F238E27FC236}">
+                <a16:creationId xmlns:a16="http://schemas.microsoft.com/office/drawing/2014/main" id="{1D4CF905-D01F-4607-B39A-68E5F7B3B04C}"/>
+              </a:ext>
+            </a:extLst>
+          </p:cNvPr>
+          <p:cNvSpPr>
+            <a:spLocks noGrp="1"/>
+          </p:cNvSpPr>
+          <p:nvPr>
+            <p:ph type="title"/>
+          </p:nvPr>
+        </p:nvSpPr>
+        <p:spPr/>
+        <p:txBody>
+          <a:bodyPr/>
+          <a:lstStyle/>
+          <a:p>
+            <a:r>
+              <a:rPr lang="nl-BE" dirty="0"/>
+              <a:t>Watch (</a:t>
+            </a:r>
+            <a:r>
+              <a:rPr lang="nl-BE" dirty="0" err="1"/>
+              <a:t>autos</a:t>
+            </a:r>
+            <a:r>
+              <a:rPr lang="nl-BE" dirty="0"/>
+              <a:t>) venster observeren</a:t>
+            </a:r>
+          </a:p>
+        </p:txBody>
+      </p:sp>
+      <p:pic>
+        <p:nvPicPr>
+          <p:cNvPr id="6" name="Tijdelijke aanduiding voor inhoud 5" descr="Afbeelding met schermafbeelding, monitor, zwart, scherm&#10;&#10;Automatisch gegenereerde beschrijving">
+            <a:extLst>
+              <a:ext uri="{FF2B5EF4-FFF2-40B4-BE49-F238E27FC236}">
+                <a16:creationId xmlns:a16="http://schemas.microsoft.com/office/drawing/2014/main" id="{C4AF7B38-A232-47AC-B257-A87C2D30AE58}"/>
+              </a:ext>
+            </a:extLst>
+          </p:cNvPr>
+          <p:cNvPicPr>
+            <a:picLocks noGrp="1" noChangeAspect="1"/>
+          </p:cNvPicPr>
+          <p:nvPr>
+            <p:ph idx="1"/>
+          </p:nvPr>
+        </p:nvPicPr>
+        <p:blipFill>
+          <a:blip r:embed="rId2">
+            <a:extLst>
+              <a:ext uri="{28A0092B-C50C-407E-A947-70E740481C1C}">
+                <a14:useLocalDpi xmlns:a14="http://schemas.microsoft.com/office/drawing/2010/main" val="0"/>
+              </a:ext>
+            </a:extLst>
+          </a:blip>
+          <a:stretch>
+            <a:fillRect/>
+          </a:stretch>
+        </p:blipFill>
+        <p:spPr>
+          <a:xfrm>
+            <a:off x="1845296" y="1412776"/>
+            <a:ext cx="8136904" cy="5556751"/>
+          </a:xfrm>
+        </p:spPr>
+      </p:pic>
+      <p:sp>
+        <p:nvSpPr>
+          <p:cNvPr id="4" name="Tijdelijke aanduiding voor dianummer 3">
+            <a:extLst>
+              <a:ext uri="{FF2B5EF4-FFF2-40B4-BE49-F238E27FC236}">
+                <a16:creationId xmlns:a16="http://schemas.microsoft.com/office/drawing/2014/main" id="{4C29D414-46F4-4281-A461-FAF009790149}"/>
+              </a:ext>
+            </a:extLst>
+          </p:cNvPr>
+          <p:cNvSpPr>
+            <a:spLocks noGrp="1"/>
+          </p:cNvSpPr>
+          <p:nvPr>
+            <p:ph type="sldNum" sz="quarter" idx="12"/>
+          </p:nvPr>
+        </p:nvSpPr>
+        <p:spPr/>
+        <p:txBody>
+          <a:bodyPr/>
+          <a:lstStyle/>
+          <a:p>
+            <a:fld id="{E8A62353-F7CD-46ED-8877-B27D0E33FCF8}" type="slidenum">
+              <a:rPr lang="nl-BE" smtClean="0"/>
+              <a:t>11</a:t>
+            </a:fld>
+            <a:endParaRPr lang="nl-BE"/>
+          </a:p>
+        </p:txBody>
+      </p:sp>
+    </p:spTree>
+    <p:extLst>
+      <p:ext uri="{BB962C8B-B14F-4D97-AF65-F5344CB8AC3E}">
+        <p14:creationId xmlns:p14="http://schemas.microsoft.com/office/powerpoint/2010/main" val="4206182101"/>
+      </p:ext>
+    </p:extLst>
+  </p:cSld>
+  <p:clrMapOvr>
+    <a:masterClrMapping/>
+  </p:clrMapOvr>
+</p:sld>
+</file>
+
+<file path=ppt/slides/slide12.xml><?xml version="1.0" encoding="utf-8"?>
+<p:sld xmlns:a="http://schemas.openxmlformats.org/drawingml/2006/main" xmlns:r="http://schemas.openxmlformats.org/officeDocument/2006/relationships" xmlns:p="http://schemas.openxmlformats.org/presentationml/2006/main">
+  <p:cSld>
+    <p:spTree>
+      <p:nvGrpSpPr>
+        <p:cNvPr id="1" name=""/>
+        <p:cNvGrpSpPr/>
+        <p:nvPr/>
+      </p:nvGrpSpPr>
+      <p:grpSpPr>
+        <a:xfrm>
+          <a:off x="0" y="0"/>
+          <a:ext cx="0" cy="0"/>
+          <a:chOff x="0" y="0"/>
+          <a:chExt cx="0" cy="0"/>
+        </a:xfrm>
+      </p:grpSpPr>
+      <p:pic>
+        <p:nvPicPr>
+          <p:cNvPr id="6" name="Tijdelijke aanduiding voor inhoud 5" descr="Afbeelding met zwart, schermafbeelding, scherm, monitor&#10;&#10;Automatisch gegenereerde beschrijving">
+            <a:extLst>
+              <a:ext uri="{FF2B5EF4-FFF2-40B4-BE49-F238E27FC236}">
+                <a16:creationId xmlns:a16="http://schemas.microsoft.com/office/drawing/2014/main" id="{EF6316A1-9C6A-4035-B9AC-DCBB234565F5}"/>
+              </a:ext>
+            </a:extLst>
+          </p:cNvPr>
+          <p:cNvPicPr>
+            <a:picLocks noGrp="1" noChangeAspect="1"/>
+          </p:cNvPicPr>
+          <p:nvPr>
+            <p:ph idx="1"/>
+          </p:nvPr>
+        </p:nvPicPr>
+        <p:blipFill>
+          <a:blip r:embed="rId2">
+            <a:extLst>
+              <a:ext uri="{28A0092B-C50C-407E-A947-70E740481C1C}">
+                <a14:useLocalDpi xmlns:a14="http://schemas.microsoft.com/office/drawing/2010/main" val="0"/>
+              </a:ext>
+            </a:extLst>
+          </a:blip>
+          <a:stretch>
+            <a:fillRect/>
+          </a:stretch>
+        </p:blipFill>
+        <p:spPr>
+          <a:xfrm>
+            <a:off x="85681" y="2492896"/>
+            <a:ext cx="6010319" cy="2371742"/>
+          </a:xfrm>
+        </p:spPr>
+      </p:pic>
+      <p:pic>
+        <p:nvPicPr>
+          <p:cNvPr id="7" name="Afbeelding 6">
+            <a:extLst>
+              <a:ext uri="{FF2B5EF4-FFF2-40B4-BE49-F238E27FC236}">
+                <a16:creationId xmlns:a16="http://schemas.microsoft.com/office/drawing/2014/main" id="{4995F6BE-BF0F-45A6-A0E1-E8769C2F0ED9}"/>
+              </a:ext>
+            </a:extLst>
+          </p:cNvPr>
+          <p:cNvPicPr>
+            <a:picLocks noChangeAspect="1"/>
+          </p:cNvPicPr>
+          <p:nvPr/>
+        </p:nvPicPr>
+        <p:blipFill>
+          <a:blip r:embed="rId3"/>
+          <a:stretch>
+            <a:fillRect/>
+          </a:stretch>
+        </p:blipFill>
+        <p:spPr>
+          <a:xfrm>
+            <a:off x="5519936" y="2016832"/>
+            <a:ext cx="6514462" cy="4013374"/>
+          </a:xfrm>
+          <a:prstGeom prst="rect">
+            <a:avLst/>
+          </a:prstGeom>
+        </p:spPr>
+      </p:pic>
+      <p:sp>
+        <p:nvSpPr>
+          <p:cNvPr id="2" name="Titel 1">
+            <a:extLst>
+              <a:ext uri="{FF2B5EF4-FFF2-40B4-BE49-F238E27FC236}">
+                <a16:creationId xmlns:a16="http://schemas.microsoft.com/office/drawing/2014/main" id="{4006C287-1C0A-4C66-B02B-0625335F0428}"/>
+              </a:ext>
+            </a:extLst>
+          </p:cNvPr>
+          <p:cNvSpPr>
+            <a:spLocks noGrp="1"/>
+          </p:cNvSpPr>
+          <p:nvPr>
+            <p:ph type="title"/>
+          </p:nvPr>
+        </p:nvSpPr>
+        <p:spPr/>
+        <p:txBody>
+          <a:bodyPr/>
+          <a:lstStyle/>
+          <a:p>
+            <a:r>
+              <a:rPr lang="nl-BE" dirty="0"/>
+              <a:t>Doorheen code ‘steppen’</a:t>
+            </a:r>
+          </a:p>
+        </p:txBody>
+      </p:sp>
+      <p:sp>
+        <p:nvSpPr>
+          <p:cNvPr id="4" name="Tijdelijke aanduiding voor dianummer 3">
+            <a:extLst>
+              <a:ext uri="{FF2B5EF4-FFF2-40B4-BE49-F238E27FC236}">
+                <a16:creationId xmlns:a16="http://schemas.microsoft.com/office/drawing/2014/main" id="{F6DF4A32-6DCD-4A7D-AAFC-32AB7461BC1A}"/>
+              </a:ext>
+            </a:extLst>
+          </p:cNvPr>
+          <p:cNvSpPr>
+            <a:spLocks noGrp="1"/>
+          </p:cNvSpPr>
+          <p:nvPr>
+            <p:ph type="sldNum" sz="quarter" idx="12"/>
+          </p:nvPr>
+        </p:nvSpPr>
+        <p:spPr/>
+        <p:txBody>
+          <a:bodyPr/>
+          <a:lstStyle/>
+          <a:p>
+            <a:fld id="{E8A62353-F7CD-46ED-8877-B27D0E33FCF8}" type="slidenum">
+              <a:rPr lang="nl-BE" smtClean="0"/>
+              <a:t>12</a:t>
+            </a:fld>
+            <a:endParaRPr lang="nl-BE"/>
+          </a:p>
+        </p:txBody>
+      </p:sp>
+    </p:spTree>
+    <p:extLst>
+      <p:ext uri="{BB962C8B-B14F-4D97-AF65-F5344CB8AC3E}">
+        <p14:creationId xmlns:p14="http://schemas.microsoft.com/office/powerpoint/2010/main" val="1902369608"/>
+      </p:ext>
+    </p:extLst>
+  </p:cSld>
+  <p:clrMapOvr>
+    <a:masterClrMapping/>
+  </p:clrMapOvr>
+</p:sld>
+</file>
+
+<file path=ppt/slides/slide13.xml><?xml version="1.0" encoding="utf-8"?>
+<p:sld xmlns:a="http://schemas.openxmlformats.org/drawingml/2006/main" xmlns:r="http://schemas.openxmlformats.org/officeDocument/2006/relationships" xmlns:p="http://schemas.openxmlformats.org/presentationml/2006/main">
+  <p:cSld>
+    <p:spTree>
+      <p:nvGrpSpPr>
+        <p:cNvPr id="1" name=""/>
+        <p:cNvGrpSpPr/>
+        <p:nvPr/>
+      </p:nvGrpSpPr>
+      <p:grpSpPr>
+        <a:xfrm>
+          <a:off x="0" y="0"/>
+          <a:ext cx="0" cy="0"/>
+          <a:chOff x="0" y="0"/>
+          <a:chExt cx="0" cy="0"/>
+        </a:xfrm>
+      </p:grpSpPr>
+      <p:sp>
+        <p:nvSpPr>
           <p:cNvPr id="12292" name="Rectangle 2"/>
           <p:cNvSpPr>
             <a:spLocks noGrp="1" noChangeArrowheads="1"/>
@@ -12466,7 +12506,7 @@
           <a:p>
             <a:fld id="{E8A62353-F7CD-46ED-8877-B27D0E33FCF8}" type="slidenum">
               <a:rPr lang="nl-BE" smtClean="0"/>
-              <a:t>10</a:t>
+              <a:t>13</a:t>
             </a:fld>
             <a:endParaRPr lang="nl-BE"/>
           </a:p>
@@ -12602,163 +12642,7 @@
 </p:sld>
 </file>
 
-<file path=ppt/slides/slide11.xml><?xml version="1.0" encoding="utf-8"?>
-<p:sld xmlns:a="http://schemas.openxmlformats.org/drawingml/2006/main" xmlns:r="http://schemas.openxmlformats.org/officeDocument/2006/relationships" xmlns:p="http://schemas.openxmlformats.org/presentationml/2006/main">
-  <p:cSld>
-    <p:spTree>
-      <p:nvGrpSpPr>
-        <p:cNvPr id="1" name=""/>
-        <p:cNvGrpSpPr/>
-        <p:nvPr/>
-      </p:nvGrpSpPr>
-      <p:grpSpPr>
-        <a:xfrm>
-          <a:off x="0" y="0"/>
-          <a:ext cx="0" cy="0"/>
-          <a:chOff x="0" y="0"/>
-          <a:chExt cx="0" cy="0"/>
-        </a:xfrm>
-      </p:grpSpPr>
-      <p:sp>
-        <p:nvSpPr>
-          <p:cNvPr id="2" name="Titel 1">
-            <a:extLst>
-              <a:ext uri="{FF2B5EF4-FFF2-40B4-BE49-F238E27FC236}">
-                <a16:creationId xmlns:a16="http://schemas.microsoft.com/office/drawing/2014/main" id="{ACB67012-0176-494E-952D-C1FAC321982D}"/>
-              </a:ext>
-            </a:extLst>
-          </p:cNvPr>
-          <p:cNvSpPr>
-            <a:spLocks noGrp="1"/>
-          </p:cNvSpPr>
-          <p:nvPr>
-            <p:ph type="title"/>
-          </p:nvPr>
-        </p:nvSpPr>
-        <p:spPr/>
-        <p:txBody>
-          <a:bodyPr/>
-          <a:lstStyle/>
-          <a:p>
-            <a:endParaRPr lang="nl-BE"/>
-          </a:p>
-        </p:txBody>
-      </p:sp>
-      <p:sp>
-        <p:nvSpPr>
-          <p:cNvPr id="3" name="Tijdelijke aanduiding voor tekst 2">
-            <a:extLst>
-              <a:ext uri="{FF2B5EF4-FFF2-40B4-BE49-F238E27FC236}">
-                <a16:creationId xmlns:a16="http://schemas.microsoft.com/office/drawing/2014/main" id="{17FAA5AE-A6D2-4E2F-B6C9-49D8AE553CBC}"/>
-              </a:ext>
-            </a:extLst>
-          </p:cNvPr>
-          <p:cNvSpPr>
-            <a:spLocks noGrp="1"/>
-          </p:cNvSpPr>
-          <p:nvPr>
-            <p:ph type="body" idx="1"/>
-          </p:nvPr>
-        </p:nvSpPr>
-        <p:spPr/>
-        <p:txBody>
-          <a:bodyPr/>
-          <a:lstStyle/>
-          <a:p>
-            <a:endParaRPr lang="nl-BE"/>
-          </a:p>
-        </p:txBody>
-      </p:sp>
-      <p:sp>
-        <p:nvSpPr>
-          <p:cNvPr id="4" name="Tijdelijke aanduiding voor dianummer 3">
-            <a:extLst>
-              <a:ext uri="{FF2B5EF4-FFF2-40B4-BE49-F238E27FC236}">
-                <a16:creationId xmlns:a16="http://schemas.microsoft.com/office/drawing/2014/main" id="{1A01764E-A7BC-4793-AA61-10647E8A5CCC}"/>
-              </a:ext>
-            </a:extLst>
-          </p:cNvPr>
-          <p:cNvSpPr>
-            <a:spLocks noGrp="1"/>
-          </p:cNvSpPr>
-          <p:nvPr>
-            <p:ph type="sldNum" sz="quarter" idx="12"/>
-          </p:nvPr>
-        </p:nvSpPr>
-        <p:spPr/>
-        <p:txBody>
-          <a:bodyPr/>
-          <a:lstStyle/>
-          <a:p>
-            <a:fld id="{E8A62353-F7CD-46ED-8877-B27D0E33FCF8}" type="slidenum">
-              <a:rPr lang="nl-BE" smtClean="0"/>
-              <a:t>11</a:t>
-            </a:fld>
-            <a:endParaRPr lang="nl-BE"/>
-          </a:p>
-        </p:txBody>
-      </p:sp>
-      <p:pic>
-        <p:nvPicPr>
-          <p:cNvPr id="1026" name="Picture 2" descr="Image result for debugging">
-            <a:extLst>
-              <a:ext uri="{FF2B5EF4-FFF2-40B4-BE49-F238E27FC236}">
-                <a16:creationId xmlns:a16="http://schemas.microsoft.com/office/drawing/2014/main" id="{D7FA0852-5A2B-452B-BB54-A6707D89D5F4}"/>
-              </a:ext>
-            </a:extLst>
-          </p:cNvPr>
-          <p:cNvPicPr>
-            <a:picLocks noChangeAspect="1" noChangeArrowheads="1"/>
-          </p:cNvPicPr>
-          <p:nvPr/>
-        </p:nvPicPr>
-        <p:blipFill>
-          <a:blip r:embed="rId2">
-            <a:extLst>
-              <a:ext uri="{28A0092B-C50C-407E-A947-70E740481C1C}">
-                <a14:useLocalDpi xmlns:a14="http://schemas.microsoft.com/office/drawing/2010/main" val="0"/>
-              </a:ext>
-            </a:extLst>
-          </a:blip>
-          <a:srcRect/>
-          <a:stretch>
-            <a:fillRect/>
-          </a:stretch>
-        </p:blipFill>
-        <p:spPr bwMode="auto">
-          <a:xfrm>
-            <a:off x="612775" y="0"/>
-            <a:ext cx="10964863" cy="6858000"/>
-          </a:xfrm>
-          <a:prstGeom prst="rect">
-            <a:avLst/>
-          </a:prstGeom>
-          <a:noFill/>
-          <a:extLst>
-            <a:ext uri="{909E8E84-426E-40DD-AFC4-6F175D3DCCD1}">
-              <a14:hiddenFill xmlns:a14="http://schemas.microsoft.com/office/drawing/2010/main">
-                <a:solidFill>
-                  <a:srgbClr val="FFFFFF"/>
-                </a:solidFill>
-              </a14:hiddenFill>
-            </a:ext>
-          </a:extLst>
-        </p:spPr>
-      </p:pic>
-    </p:spTree>
-    <p:extLst>
-      <p:ext uri="{BB962C8B-B14F-4D97-AF65-F5344CB8AC3E}">
-        <p14:creationId xmlns:p14="http://schemas.microsoft.com/office/powerpoint/2010/main" val="4147613488"/>
-      </p:ext>
-    </p:extLst>
-  </p:cSld>
-  <p:clrMapOvr>
-    <a:masterClrMapping/>
-  </p:clrMapOvr>
-</p:sld>
-</file>
-
-<file path=ppt/slides/slide12.xml><?xml version="1.0" encoding="utf-8"?>
+<file path=ppt/slides/slide14.xml><?xml version="1.0" encoding="utf-8"?>
 <p:sld xmlns:a="http://schemas.openxmlformats.org/drawingml/2006/main" xmlns:r="http://schemas.openxmlformats.org/officeDocument/2006/relationships" xmlns:p="http://schemas.openxmlformats.org/presentationml/2006/main">
   <p:cSld>
     <p:bg>
@@ -13040,7 +12924,7 @@
                   <a:spcPts val="600"/>
                 </a:spcAft>
               </a:pPr>
-              <a:t>12</a:t>
+              <a:t>14</a:t>
             </a:fld>
             <a:endParaRPr lang="en-US" sz="1000">
               <a:solidFill>
@@ -13063,7 +12947,7 @@
 </p:sld>
 </file>
 
-<file path=ppt/slides/slide13.xml><?xml version="1.0" encoding="utf-8"?>
+<file path=ppt/slides/slide15.xml><?xml version="1.0" encoding="utf-8"?>
 <p:sld xmlns:a="http://schemas.openxmlformats.org/drawingml/2006/main" xmlns:r="http://schemas.openxmlformats.org/officeDocument/2006/relationships" xmlns:p="http://schemas.openxmlformats.org/presentationml/2006/main">
   <p:cSld>
     <p:spTree>
@@ -13232,7 +13116,7 @@
           <a:p>
             <a:fld id="{E8A62353-F7CD-46ED-8877-B27D0E33FCF8}" type="slidenum">
               <a:rPr lang="nl-BE" smtClean="0"/>
-              <a:t>13</a:t>
+              <a:t>15</a:t>
             </a:fld>
             <a:endParaRPr lang="nl-BE"/>
           </a:p>
@@ -13281,7 +13165,7 @@
 </p:sld>
 </file>
 
-<file path=ppt/slides/slide14.xml><?xml version="1.0" encoding="utf-8"?>
+<file path=ppt/slides/slide16.xml><?xml version="1.0" encoding="utf-8"?>
 <p:sld xmlns:a="http://schemas.openxmlformats.org/drawingml/2006/main" xmlns:r="http://schemas.openxmlformats.org/officeDocument/2006/relationships" xmlns:p="http://schemas.openxmlformats.org/presentationml/2006/main">
   <p:cSld>
     <p:bg>
@@ -13557,7 +13441,7 @@
                   <a:spcPts val="600"/>
                 </a:spcAft>
               </a:pPr>
-              <a:t>14</a:t>
+              <a:t>16</a:t>
             </a:fld>
             <a:endParaRPr lang="nl-BE">
               <a:solidFill>
@@ -13611,6 +13495,127 @@
 </p:sld>
 </file>
 
+<file path=ppt/slides/slide17.xml><?xml version="1.0" encoding="utf-8"?>
+<p:sld xmlns:a="http://schemas.openxmlformats.org/drawingml/2006/main" xmlns:r="http://schemas.openxmlformats.org/officeDocument/2006/relationships" xmlns:p="http://schemas.openxmlformats.org/presentationml/2006/main">
+  <p:cSld>
+    <p:spTree>
+      <p:nvGrpSpPr>
+        <p:cNvPr id="1" name=""/>
+        <p:cNvGrpSpPr/>
+        <p:nvPr/>
+      </p:nvGrpSpPr>
+      <p:grpSpPr>
+        <a:xfrm>
+          <a:off x="0" y="0"/>
+          <a:ext cx="0" cy="0"/>
+          <a:chOff x="0" y="0"/>
+          <a:chExt cx="0" cy="0"/>
+        </a:xfrm>
+      </p:grpSpPr>
+      <p:pic>
+        <p:nvPicPr>
+          <p:cNvPr id="6" name="Tijdelijke aanduiding voor inhoud 5" descr="Afbeelding met tekening, teken&#10;&#10;Automatisch gegenereerde beschrijving">
+            <a:extLst>
+              <a:ext uri="{FF2B5EF4-FFF2-40B4-BE49-F238E27FC236}">
+                <a16:creationId xmlns:a16="http://schemas.microsoft.com/office/drawing/2014/main" id="{993A6A86-1722-4A60-A73D-3D2BACF0AF72}"/>
+              </a:ext>
+            </a:extLst>
+          </p:cNvPr>
+          <p:cNvPicPr>
+            <a:picLocks noGrp="1" noChangeAspect="1"/>
+          </p:cNvPicPr>
+          <p:nvPr>
+            <p:ph idx="1"/>
+          </p:nvPr>
+        </p:nvPicPr>
+        <p:blipFill rotWithShape="1">
+          <a:blip r:embed="rId2">
+            <a:extLst>
+              <a:ext uri="{28A0092B-C50C-407E-A947-70E740481C1C}">
+                <a14:useLocalDpi xmlns:a14="http://schemas.microsoft.com/office/drawing/2010/main" val="0"/>
+              </a:ext>
+            </a:extLst>
+          </a:blip>
+          <a:srcRect t="1240" b="76"/>
+          <a:stretch/>
+        </p:blipFill>
+        <p:spPr>
+          <a:xfrm>
+            <a:off x="20" y="10"/>
+            <a:ext cx="12191980" cy="6857990"/>
+          </a:xfrm>
+          <a:prstGeom prst="rect">
+            <a:avLst/>
+          </a:prstGeom>
+        </p:spPr>
+      </p:pic>
+      <p:sp>
+        <p:nvSpPr>
+          <p:cNvPr id="4" name="Tijdelijke aanduiding voor dianummer 3">
+            <a:extLst>
+              <a:ext uri="{FF2B5EF4-FFF2-40B4-BE49-F238E27FC236}">
+                <a16:creationId xmlns:a16="http://schemas.microsoft.com/office/drawing/2014/main" id="{5A52AFBD-7A2A-4CD8-9CA6-E0FE52A4734B}"/>
+              </a:ext>
+            </a:extLst>
+          </p:cNvPr>
+          <p:cNvSpPr>
+            <a:spLocks noGrp="1"/>
+          </p:cNvSpPr>
+          <p:nvPr>
+            <p:ph type="sldNum" sz="quarter" idx="12"/>
+          </p:nvPr>
+        </p:nvSpPr>
+        <p:spPr>
+          <a:xfrm>
+            <a:off x="8610600" y="6356350"/>
+            <a:ext cx="2743200" cy="365125"/>
+          </a:xfrm>
+        </p:spPr>
+        <p:txBody>
+          <a:bodyPr vert="horz" lIns="91440" tIns="45720" rIns="91440" bIns="45720" rtlCol="0" anchor="ctr">
+            <a:normAutofit/>
+          </a:bodyPr>
+          <a:lstStyle/>
+          <a:p>
+            <a:pPr>
+              <a:spcAft>
+                <a:spcPts val="600"/>
+              </a:spcAft>
+            </a:pPr>
+            <a:fld id="{E8A62353-F7CD-46ED-8877-B27D0E33FCF8}" type="slidenum">
+              <a:rPr lang="en-US">
+                <a:solidFill>
+                  <a:srgbClr val="FFFFFF"/>
+                </a:solidFill>
+              </a:rPr>
+              <a:pPr>
+                <a:spcAft>
+                  <a:spcPts val="600"/>
+                </a:spcAft>
+              </a:pPr>
+              <a:t>17</a:t>
+            </a:fld>
+            <a:endParaRPr lang="en-US">
+              <a:solidFill>
+                <a:srgbClr val="FFFFFF"/>
+              </a:solidFill>
+            </a:endParaRPr>
+          </a:p>
+        </p:txBody>
+      </p:sp>
+    </p:spTree>
+    <p:extLst>
+      <p:ext uri="{BB962C8B-B14F-4D97-AF65-F5344CB8AC3E}">
+        <p14:creationId xmlns:p14="http://schemas.microsoft.com/office/powerpoint/2010/main" val="804954993"/>
+      </p:ext>
+    </p:extLst>
+  </p:cSld>
+  <p:clrMapOvr>
+    <a:masterClrMapping/>
+  </p:clrMapOvr>
+</p:sld>
+</file>
+
 <file path=ppt/slides/slide2.xml><?xml version="1.0" encoding="utf-8"?>
 <p:sld xmlns:a="http://schemas.openxmlformats.org/drawingml/2006/main" xmlns:r="http://schemas.openxmlformats.org/officeDocument/2006/relationships" xmlns:p="http://schemas.openxmlformats.org/presentationml/2006/main">
   <p:cSld>
@@ -13709,19 +13714,19 @@
       </p:sp>
       <p:pic>
         <p:nvPicPr>
-          <p:cNvPr id="1026" name="Picture 2" descr="Image result for debugging jokes">
+          <p:cNvPr id="6" name="Afbeelding 5" descr="Afbeelding met tekening&#10;&#10;Automatisch gegenereerde beschrijving">
             <a:extLst>
               <a:ext uri="{FF2B5EF4-FFF2-40B4-BE49-F238E27FC236}">
-                <a16:creationId xmlns:a16="http://schemas.microsoft.com/office/drawing/2014/main" id="{45DDFE65-B4DC-4E7B-A9B4-E09598B8F990}"/>
+                <a16:creationId xmlns:a16="http://schemas.microsoft.com/office/drawing/2014/main" id="{B3A8CCB9-1704-45DF-9746-9340E410B8B6}"/>
               </a:ext>
             </a:extLst>
           </p:cNvPr>
           <p:cNvPicPr>
-            <a:picLocks noChangeAspect="1" noChangeArrowheads="1"/>
+            <a:picLocks noChangeAspect="1"/>
           </p:cNvPicPr>
           <p:nvPr/>
         </p:nvPicPr>
-        <p:blipFill>
+        <p:blipFill rotWithShape="1">
           <a:blip r:embed="rId2">
             <a:extLst>
               <a:ext uri="{28A0092B-C50C-407E-A947-70E740481C1C}">
@@ -13729,29 +13734,17 @@
               </a:ext>
             </a:extLst>
           </a:blip>
-          <a:srcRect/>
-          <a:stretch>
-            <a:fillRect/>
-          </a:stretch>
+          <a:srcRect l="3268" r="3399"/>
+          <a:stretch/>
         </p:blipFill>
-        <p:spPr bwMode="auto">
+        <p:spPr>
           <a:xfrm>
-            <a:off x="3524250" y="0"/>
-            <a:ext cx="5143500" cy="6858000"/>
+            <a:off x="20" y="10"/>
+            <a:ext cx="12191980" cy="6857990"/>
           </a:xfrm>
           <a:prstGeom prst="rect">
             <a:avLst/>
           </a:prstGeom>
-          <a:noFill/>
-          <a:extLst>
-            <a:ext uri="{909E8E84-426E-40DD-AFC4-6F175D3DCCD1}">
-              <a14:hiddenFill xmlns:a14="http://schemas.microsoft.com/office/drawing/2010/main">
-                <a:solidFill>
-                  <a:srgbClr val="FFFFFF"/>
-                </a:solidFill>
-              </a14:hiddenFill>
-            </a:ext>
-          </a:extLst>
         </p:spPr>
       </p:pic>
     </p:spTree>
@@ -14147,379 +14140,6 @@
 </file>
 
 <file path=ppt/slides/slide4.xml><?xml version="1.0" encoding="utf-8"?>
-<p:sld xmlns:a="http://schemas.openxmlformats.org/drawingml/2006/main" xmlns:r="http://schemas.openxmlformats.org/officeDocument/2006/relationships" xmlns:p="http://schemas.openxmlformats.org/presentationml/2006/main">
-  <p:cSld>
-    <p:bg>
-      <p:bgPr>
-        <a:solidFill>
-          <a:schemeClr val="bg1"/>
-        </a:solidFill>
-        <a:effectLst/>
-      </p:bgPr>
-    </p:bg>
-    <p:spTree>
-      <p:nvGrpSpPr>
-        <p:cNvPr id="1" name=""/>
-        <p:cNvGrpSpPr/>
-        <p:nvPr/>
-      </p:nvGrpSpPr>
-      <p:grpSpPr>
-        <a:xfrm>
-          <a:off x="0" y="0"/>
-          <a:ext cx="0" cy="0"/>
-          <a:chOff x="0" y="0"/>
-          <a:chExt cx="0" cy="0"/>
-        </a:xfrm>
-      </p:grpSpPr>
-      <p:sp>
-        <p:nvSpPr>
-          <p:cNvPr id="74" name="Rectangle 73">
-            <a:extLst>
-              <a:ext uri="{FF2B5EF4-FFF2-40B4-BE49-F238E27FC236}">
-                <a16:creationId xmlns:a16="http://schemas.microsoft.com/office/drawing/2014/main" id="{4351DFE5-F63D-4BE0-BDA9-E3EB88F01AA5}"/>
-              </a:ext>
-              <a:ext uri="{C183D7F6-B498-43B3-948B-1728B52AA6E4}">
-                <adec:decorative xmlns:adec="http://schemas.microsoft.com/office/drawing/2017/decorative" val="1"/>
-              </a:ext>
-            </a:extLst>
-          </p:cNvPr>
-          <p:cNvSpPr>
-            <a:spLocks noGrp="1" noRot="1" noChangeAspect="1" noMove="1" noResize="1" noEditPoints="1" noAdjustHandles="1" noChangeArrowheads="1" noChangeShapeType="1" noTextEdit="1"/>
-          </p:cNvSpPr>
-          <p:nvPr>
-            <p:extLst>
-              <p:ext uri="{386F3935-93C4-4BCD-93E2-E3B085C9AB24}">
-                <p16:designElem xmlns:p16="http://schemas.microsoft.com/office/powerpoint/2015/main" val="1"/>
-              </p:ext>
-            </p:extLst>
-          </p:nvPr>
-        </p:nvSpPr>
-        <p:spPr>
-          <a:xfrm>
-            <a:off x="355601" y="0"/>
-            <a:ext cx="11480494" cy="2753936"/>
-          </a:xfrm>
-          <a:prstGeom prst="rect">
-            <a:avLst/>
-          </a:prstGeom>
-          <a:gradFill>
-            <a:gsLst>
-              <a:gs pos="0">
-                <a:schemeClr val="accent1">
-                  <a:lumMod val="90000"/>
-                </a:schemeClr>
-              </a:gs>
-              <a:gs pos="25000">
-                <a:schemeClr val="accent1">
-                  <a:lumMod val="90000"/>
-                </a:schemeClr>
-              </a:gs>
-              <a:gs pos="94000">
-                <a:schemeClr val="bg2">
-                  <a:lumMod val="25000"/>
-                </a:schemeClr>
-              </a:gs>
-              <a:gs pos="100000">
-                <a:schemeClr val="bg2">
-                  <a:lumMod val="25000"/>
-                </a:schemeClr>
-              </a:gs>
-            </a:gsLst>
-            <a:lin ang="4200000" scaled="0"/>
-          </a:gradFill>
-          <a:ln>
-            <a:noFill/>
-          </a:ln>
-        </p:spPr>
-        <p:style>
-          <a:lnRef idx="2">
-            <a:schemeClr val="accent1">
-              <a:shade val="50000"/>
-            </a:schemeClr>
-          </a:lnRef>
-          <a:fillRef idx="1">
-            <a:schemeClr val="accent1"/>
-          </a:fillRef>
-          <a:effectRef idx="0">
-            <a:schemeClr val="accent1"/>
-          </a:effectRef>
-          <a:fontRef idx="minor">
-            <a:schemeClr val="lt1"/>
-          </a:fontRef>
-        </p:style>
-        <p:txBody>
-          <a:bodyPr rtlCol="0" anchor="ctr"/>
-          <a:lstStyle/>
-          <a:p>
-            <a:pPr algn="ctr"/>
-            <a:endParaRPr lang="en-US"/>
-          </a:p>
-        </p:txBody>
-      </p:sp>
-      <p:pic>
-        <p:nvPicPr>
-          <p:cNvPr id="76" name="Picture 75">
-            <a:extLst>
-              <a:ext uri="{FF2B5EF4-FFF2-40B4-BE49-F238E27FC236}">
-                <a16:creationId xmlns:a16="http://schemas.microsoft.com/office/drawing/2014/main" id="{3AA16612-ACD2-4A16-8F2B-4514FD6BF28F}"/>
-              </a:ext>
-              <a:ext uri="{C183D7F6-B498-43B3-948B-1728B52AA6E4}">
-                <adec:decorative xmlns:adec="http://schemas.microsoft.com/office/drawing/2017/decorative" val="1"/>
-              </a:ext>
-            </a:extLst>
-          </p:cNvPr>
-          <p:cNvPicPr>
-            <a:picLocks noGrp="1" noRot="1" noChangeAspect="1" noMove="1" noResize="1" noEditPoints="1" noAdjustHandles="1" noChangeArrowheads="1" noChangeShapeType="1" noCrop="1"/>
-          </p:cNvPicPr>
-          <p:nvPr>
-            <p:extLst>
-              <p:ext uri="{386F3935-93C4-4BCD-93E2-E3B085C9AB24}">
-                <p16:designElem xmlns:p16="http://schemas.microsoft.com/office/powerpoint/2015/main" val="1"/>
-              </p:ext>
-            </p:extLst>
-          </p:nvPr>
-        </p:nvPicPr>
-        <p:blipFill>
-          <a:blip r:embed="rId3">
-            <a:extLst>
-              <a:ext uri="{28A0092B-C50C-407E-A947-70E740481C1C}">
-                <a14:useLocalDpi xmlns:a14="http://schemas.microsoft.com/office/drawing/2010/main" val="0"/>
-              </a:ext>
-            </a:extLst>
-          </a:blip>
-          <a:stretch>
-            <a:fillRect/>
-          </a:stretch>
-        </p:blipFill>
-        <p:spPr>
-          <a:xfrm>
-            <a:off x="0" y="0"/>
-            <a:ext cx="12192000" cy="6858000"/>
-          </a:xfrm>
-          <a:prstGeom prst="rect">
-            <a:avLst/>
-          </a:prstGeom>
-        </p:spPr>
-      </p:pic>
-      <p:sp>
-        <p:nvSpPr>
-          <p:cNvPr id="6148" name="Rectangle 2"/>
-          <p:cNvSpPr>
-            <a:spLocks noGrp="1" noChangeArrowheads="1"/>
-          </p:cNvSpPr>
-          <p:nvPr>
-            <p:ph type="title"/>
-          </p:nvPr>
-        </p:nvSpPr>
-        <p:spPr>
-          <a:xfrm>
-            <a:off x="1179226" y="826680"/>
-            <a:ext cx="9833548" cy="1325563"/>
-          </a:xfrm>
-        </p:spPr>
-        <p:txBody>
-          <a:bodyPr>
-            <a:normAutofit/>
-          </a:bodyPr>
-          <a:lstStyle/>
-          <a:p>
-            <a:pPr algn="ctr" eaLnBrk="1" hangingPunct="1"/>
-            <a:r>
-              <a:rPr lang="nl-BE" sz="4000" dirty="0">
-                <a:solidFill>
-                  <a:srgbClr val="FFFFFF"/>
-                </a:solidFill>
-              </a:rPr>
-              <a:t>Debuggen is moeilijk</a:t>
-            </a:r>
-            <a:endParaRPr lang="nl-NL" sz="4000" dirty="0">
-              <a:solidFill>
-                <a:srgbClr val="FFFFFF"/>
-              </a:solidFill>
-            </a:endParaRPr>
-          </a:p>
-        </p:txBody>
-      </p:sp>
-      <p:sp>
-        <p:nvSpPr>
-          <p:cNvPr id="6149" name="Rectangle 3"/>
-          <p:cNvSpPr>
-            <a:spLocks noGrp="1" noChangeArrowheads="1"/>
-          </p:cNvSpPr>
-          <p:nvPr>
-            <p:ph type="body" idx="1"/>
-          </p:nvPr>
-        </p:nvSpPr>
-        <p:spPr>
-          <a:xfrm>
-            <a:off x="1179226" y="3092970"/>
-            <a:ext cx="9833548" cy="2693976"/>
-          </a:xfrm>
-        </p:spPr>
-        <p:txBody>
-          <a:bodyPr>
-            <a:normAutofit/>
-          </a:bodyPr>
-          <a:lstStyle/>
-          <a:p>
-            <a:pPr eaLnBrk="1" hangingPunct="1"/>
-            <a:r>
-              <a:rPr lang="nl-BE" sz="2000" dirty="0">
-                <a:solidFill>
-                  <a:srgbClr val="000000"/>
-                </a:solidFill>
-              </a:rPr>
-              <a:t>Fouten opsporen is soms erg moeilijk</a:t>
-            </a:r>
-          </a:p>
-          <a:p>
-            <a:pPr lvl="1" eaLnBrk="1" hangingPunct="1"/>
-            <a:r>
-              <a:rPr lang="nl-BE" sz="2000" dirty="0">
-                <a:solidFill>
-                  <a:srgbClr val="000000"/>
-                </a:solidFill>
-              </a:rPr>
-              <a:t>Bv. een programma met 10 Timers gedraagt zich iedere keer weer anders.</a:t>
-            </a:r>
-          </a:p>
-          <a:p>
-            <a:pPr lvl="1" eaLnBrk="1" hangingPunct="1"/>
-            <a:r>
-              <a:rPr lang="nl-BE" sz="2000" dirty="0">
-                <a:solidFill>
-                  <a:srgbClr val="000000"/>
-                </a:solidFill>
-              </a:rPr>
-              <a:t>Of een crash zich voordoet hangt soms af van omgevingsfactoren, bv. wel of geen netwerkverbinding of gebruik van Random()</a:t>
-            </a:r>
-          </a:p>
-          <a:p>
-            <a:pPr lvl="1" eaLnBrk="1" hangingPunct="1"/>
-            <a:r>
-              <a:rPr lang="nl-BE" sz="2000" dirty="0">
-                <a:solidFill>
-                  <a:srgbClr val="000000"/>
-                </a:solidFill>
-              </a:rPr>
-              <a:t>Een debugger is niet altijd bruikbaar: bv. een programma met 10 Timer objecten </a:t>
-            </a:r>
-            <a:r>
-              <a:rPr lang="nl-BE" sz="2000" i="1" dirty="0">
-                <a:solidFill>
-                  <a:srgbClr val="000000"/>
-                </a:solidFill>
-              </a:rPr>
-              <a:t>kan</a:t>
-            </a:r>
-            <a:r>
-              <a:rPr lang="nl-BE" sz="2000" dirty="0">
-                <a:solidFill>
-                  <a:srgbClr val="000000"/>
-                </a:solidFill>
-              </a:rPr>
-              <a:t> je niet stilzetten om stap voor stap te doorlopen. Meer nog, soms zijn bugs “verdwenen” precies omdat je de code stap voor stap uitvoert!</a:t>
-            </a:r>
-          </a:p>
-          <a:p>
-            <a:pPr lvl="1" eaLnBrk="1" hangingPunct="1"/>
-            <a:endParaRPr lang="nl-NL" sz="2000" dirty="0">
-              <a:solidFill>
-                <a:srgbClr val="000000"/>
-              </a:solidFill>
-            </a:endParaRPr>
-          </a:p>
-        </p:txBody>
-      </p:sp>
-      <p:sp>
-        <p:nvSpPr>
-          <p:cNvPr id="3" name="Tijdelijke aanduiding voor dianummer 2"/>
-          <p:cNvSpPr>
-            <a:spLocks noGrp="1"/>
-          </p:cNvSpPr>
-          <p:nvPr>
-            <p:ph type="sldNum" sz="quarter" idx="12"/>
-          </p:nvPr>
-        </p:nvSpPr>
-        <p:spPr>
-          <a:xfrm>
-            <a:off x="10825930" y="6223702"/>
-            <a:ext cx="570728" cy="314067"/>
-          </a:xfrm>
-        </p:spPr>
-        <p:txBody>
-          <a:bodyPr>
-            <a:normAutofit/>
-          </a:bodyPr>
-          <a:lstStyle/>
-          <a:p>
-            <a:pPr>
-              <a:spcAft>
-                <a:spcPts val="600"/>
-              </a:spcAft>
-            </a:pPr>
-            <a:fld id="{E8A62353-F7CD-46ED-8877-B27D0E33FCF8}" type="slidenum">
-              <a:rPr lang="nl-BE" sz="1000">
-                <a:solidFill>
-                  <a:srgbClr val="898989"/>
-                </a:solidFill>
-              </a:rPr>
-              <a:pPr>
-                <a:spcAft>
-                  <a:spcPts val="600"/>
-                </a:spcAft>
-              </a:pPr>
-              <a:t>4</a:t>
-            </a:fld>
-            <a:endParaRPr lang="nl-BE" sz="1000">
-              <a:solidFill>
-                <a:srgbClr val="898989"/>
-              </a:solidFill>
-            </a:endParaRPr>
-          </a:p>
-        </p:txBody>
-      </p:sp>
-      <p:sp>
-        <p:nvSpPr>
-          <p:cNvPr id="2" name="Tijdelijke aanduiding voor voettekst 1"/>
-          <p:cNvSpPr>
-            <a:spLocks noGrp="1"/>
-          </p:cNvSpPr>
-          <p:nvPr>
-            <p:ph type="ftr" sz="quarter" idx="11"/>
-          </p:nvPr>
-        </p:nvSpPr>
-        <p:spPr/>
-        <p:txBody>
-          <a:bodyPr/>
-          <a:lstStyle/>
-          <a:p>
-            <a:pPr>
-              <a:spcAft>
-                <a:spcPts val="600"/>
-              </a:spcAft>
-            </a:pPr>
-            <a:r>
-              <a:rPr lang="nl-BE"/>
-              <a:t>Programmeren in C#</a:t>
-            </a:r>
-          </a:p>
-        </p:txBody>
-      </p:sp>
-    </p:spTree>
-    <p:extLst>
-      <p:ext uri="{BB962C8B-B14F-4D97-AF65-F5344CB8AC3E}">
-        <p14:creationId xmlns:p14="http://schemas.microsoft.com/office/powerpoint/2010/main" val="753654309"/>
-      </p:ext>
-    </p:extLst>
-  </p:cSld>
-  <p:clrMapOvr>
-    <a:masterClrMapping/>
-  </p:clrMapOvr>
-</p:sld>
-</file>
-
-<file path=ppt/slides/slide5.xml><?xml version="1.0" encoding="utf-8"?>
 <p:sld xmlns:a="http://schemas.openxmlformats.org/drawingml/2006/main" xmlns:r="http://schemas.openxmlformats.org/officeDocument/2006/relationships" xmlns:p="http://schemas.openxmlformats.org/presentationml/2006/main">
   <p:cSld>
     <p:bg>
@@ -14758,7 +14378,7 @@
                   <a:spcPts val="600"/>
                 </a:spcAft>
               </a:pPr>
-              <a:t>5</a:t>
+              <a:t>4</a:t>
             </a:fld>
             <a:endParaRPr lang="nl-BE" sz="1000">
               <a:solidFill>
@@ -14803,6 +14423,372 @@
     <p:extLst>
       <p:ext uri="{BB962C8B-B14F-4D97-AF65-F5344CB8AC3E}">
         <p14:creationId xmlns:p14="http://schemas.microsoft.com/office/powerpoint/2010/main" val="2101602434"/>
+      </p:ext>
+    </p:extLst>
+  </p:cSld>
+  <p:clrMapOvr>
+    <a:masterClrMapping/>
+  </p:clrMapOvr>
+</p:sld>
+</file>
+
+<file path=ppt/slides/slide5.xml><?xml version="1.0" encoding="utf-8"?>
+<p:sld xmlns:a="http://schemas.openxmlformats.org/drawingml/2006/main" xmlns:r="http://schemas.openxmlformats.org/officeDocument/2006/relationships" xmlns:p="http://schemas.openxmlformats.org/presentationml/2006/main">
+  <p:cSld>
+    <p:bg>
+      <p:bgPr>
+        <a:solidFill>
+          <a:schemeClr val="bg1"/>
+        </a:solidFill>
+        <a:effectLst/>
+      </p:bgPr>
+    </p:bg>
+    <p:spTree>
+      <p:nvGrpSpPr>
+        <p:cNvPr id="1" name=""/>
+        <p:cNvGrpSpPr/>
+        <p:nvPr/>
+      </p:nvGrpSpPr>
+      <p:grpSpPr>
+        <a:xfrm>
+          <a:off x="0" y="0"/>
+          <a:ext cx="0" cy="0"/>
+          <a:chOff x="0" y="0"/>
+          <a:chExt cx="0" cy="0"/>
+        </a:xfrm>
+      </p:grpSpPr>
+      <p:sp>
+        <p:nvSpPr>
+          <p:cNvPr id="74" name="Rectangle 73">
+            <a:extLst>
+              <a:ext uri="{FF2B5EF4-FFF2-40B4-BE49-F238E27FC236}">
+                <a16:creationId xmlns:a16="http://schemas.microsoft.com/office/drawing/2014/main" id="{8D70B121-56F4-4848-B38B-182089D909FA}"/>
+              </a:ext>
+              <a:ext uri="{C183D7F6-B498-43B3-948B-1728B52AA6E4}">
+                <adec:decorative xmlns:adec="http://schemas.microsoft.com/office/drawing/2017/decorative" val="1"/>
+              </a:ext>
+            </a:extLst>
+          </p:cNvPr>
+          <p:cNvSpPr>
+            <a:spLocks noGrp="1" noRot="1" noChangeAspect="1" noMove="1" noResize="1" noEditPoints="1" noAdjustHandles="1" noChangeArrowheads="1" noChangeShapeType="1" noTextEdit="1"/>
+          </p:cNvSpPr>
+          <p:nvPr>
+            <p:extLst>
+              <p:ext uri="{386F3935-93C4-4BCD-93E2-E3B085C9AB24}">
+                <p16:designElem xmlns:p16="http://schemas.microsoft.com/office/powerpoint/2015/main" val="1"/>
+              </p:ext>
+            </p:extLst>
+          </p:nvPr>
+        </p:nvSpPr>
+        <p:spPr bwMode="ltGray">
+          <a:xfrm>
+            <a:off x="321564" y="320040"/>
+            <a:ext cx="11548872" cy="6217920"/>
+          </a:xfrm>
+          <a:prstGeom prst="rect">
+            <a:avLst/>
+          </a:prstGeom>
+          <a:solidFill>
+            <a:schemeClr val="tx1">
+              <a:alpha val="8000"/>
+            </a:schemeClr>
+          </a:solidFill>
+          <a:ln w="127000" cap="sq" cmpd="thinThick">
+            <a:noFill/>
+          </a:ln>
+        </p:spPr>
+        <p:style>
+          <a:lnRef idx="2">
+            <a:schemeClr val="accent1">
+              <a:shade val="50000"/>
+            </a:schemeClr>
+          </a:lnRef>
+          <a:fillRef idx="1">
+            <a:schemeClr val="accent1"/>
+          </a:fillRef>
+          <a:effectRef idx="0">
+            <a:schemeClr val="accent1"/>
+          </a:effectRef>
+          <a:fontRef idx="minor">
+            <a:schemeClr val="lt1"/>
+          </a:fontRef>
+        </p:style>
+        <p:txBody>
+          <a:bodyPr rtlCol="0" anchor="ctr"/>
+          <a:lstStyle/>
+          <a:p>
+            <a:pPr algn="ctr"/>
+            <a:endParaRPr lang="en-US"/>
+          </a:p>
+        </p:txBody>
+      </p:sp>
+      <p:sp>
+        <p:nvSpPr>
+          <p:cNvPr id="9220" name="Rectangle 2"/>
+          <p:cNvSpPr>
+            <a:spLocks noGrp="1" noChangeArrowheads="1"/>
+          </p:cNvSpPr>
+          <p:nvPr>
+            <p:ph type="title"/>
+          </p:nvPr>
+        </p:nvSpPr>
+        <p:spPr>
+          <a:xfrm>
+            <a:off x="838200" y="963877"/>
+            <a:ext cx="3494362" cy="4930246"/>
+          </a:xfrm>
+        </p:spPr>
+        <p:txBody>
+          <a:bodyPr>
+            <a:normAutofit/>
+          </a:bodyPr>
+          <a:lstStyle/>
+          <a:p>
+            <a:pPr algn="r" eaLnBrk="1" hangingPunct="1"/>
+            <a:r>
+              <a:rPr lang="nl-BE" dirty="0">
+                <a:solidFill>
+                  <a:schemeClr val="accent1"/>
+                </a:solidFill>
+              </a:rPr>
+              <a:t>At </a:t>
+            </a:r>
+            <a:r>
+              <a:rPr lang="nl-BE" dirty="0" err="1">
+                <a:solidFill>
+                  <a:schemeClr val="accent1"/>
+                </a:solidFill>
+              </a:rPr>
+              <a:t>compile</a:t>
+            </a:r>
+            <a:r>
+              <a:rPr lang="nl-BE" dirty="0">
+                <a:solidFill>
+                  <a:schemeClr val="accent1"/>
+                </a:solidFill>
+              </a:rPr>
+              <a:t>-time</a:t>
+            </a:r>
+            <a:endParaRPr lang="nl-NL" dirty="0">
+              <a:solidFill>
+                <a:schemeClr val="accent1"/>
+              </a:solidFill>
+            </a:endParaRPr>
+          </a:p>
+        </p:txBody>
+      </p:sp>
+      <p:cxnSp>
+        <p:nvCxnSpPr>
+          <p:cNvPr id="76" name="Straight Connector 75">
+            <a:extLst>
+              <a:ext uri="{FF2B5EF4-FFF2-40B4-BE49-F238E27FC236}">
+                <a16:creationId xmlns:a16="http://schemas.microsoft.com/office/drawing/2014/main" id="{2D72A2C9-F3CA-4216-8BAD-FA4C970C3C4E}"/>
+              </a:ext>
+              <a:ext uri="{C183D7F6-B498-43B3-948B-1728B52AA6E4}">
+                <adec:decorative xmlns:adec="http://schemas.microsoft.com/office/drawing/2017/decorative" val="1"/>
+              </a:ext>
+            </a:extLst>
+          </p:cNvPr>
+          <p:cNvCxnSpPr>
+            <a:cxnSpLocks noGrp="1" noRot="1" noChangeAspect="1" noMove="1" noResize="1" noEditPoints="1" noAdjustHandles="1" noChangeArrowheads="1" noChangeShapeType="1"/>
+          </p:cNvCxnSpPr>
+          <p:nvPr>
+            <p:extLst>
+              <p:ext uri="{386F3935-93C4-4BCD-93E2-E3B085C9AB24}">
+                <p16:designElem xmlns:p16="http://schemas.microsoft.com/office/powerpoint/2015/main" val="1"/>
+              </p:ext>
+            </p:extLst>
+          </p:nvPr>
+        </p:nvCxnSpPr>
+        <p:spPr>
+          <a:xfrm>
+            <a:off x="4654296" y="2057400"/>
+            <a:ext cx="0" cy="2743200"/>
+          </a:xfrm>
+          <a:prstGeom prst="line">
+            <a:avLst/>
+          </a:prstGeom>
+          <a:ln w="19050">
+            <a:solidFill>
+              <a:schemeClr val="tx1">
+                <a:lumMod val="85000"/>
+                <a:lumOff val="15000"/>
+              </a:schemeClr>
+            </a:solidFill>
+          </a:ln>
+        </p:spPr>
+        <p:style>
+          <a:lnRef idx="1">
+            <a:schemeClr val="accent1"/>
+          </a:lnRef>
+          <a:fillRef idx="0">
+            <a:schemeClr val="accent1"/>
+          </a:fillRef>
+          <a:effectRef idx="0">
+            <a:schemeClr val="accent1"/>
+          </a:effectRef>
+          <a:fontRef idx="minor">
+            <a:schemeClr val="tx1"/>
+          </a:fontRef>
+        </p:style>
+      </p:cxnSp>
+      <p:sp>
+        <p:nvSpPr>
+          <p:cNvPr id="9221" name="Rectangle 3"/>
+          <p:cNvSpPr>
+            <a:spLocks noGrp="1" noChangeArrowheads="1"/>
+          </p:cNvSpPr>
+          <p:nvPr>
+            <p:ph type="body" idx="1"/>
+          </p:nvPr>
+        </p:nvSpPr>
+        <p:spPr>
+          <a:xfrm>
+            <a:off x="4976031" y="963877"/>
+            <a:ext cx="6377769" cy="4930246"/>
+          </a:xfrm>
+        </p:spPr>
+        <p:txBody>
+          <a:bodyPr anchor="ctr">
+            <a:normAutofit/>
+          </a:bodyPr>
+          <a:lstStyle/>
+          <a:p>
+            <a:pPr eaLnBrk="1" hangingPunct="1"/>
+            <a:r>
+              <a:rPr lang="nl-BE" sz="2400"/>
+              <a:t>Compilatie (</a:t>
+            </a:r>
+            <a:r>
+              <a:rPr lang="nl-BE" sz="2400" b="1"/>
+              <a:t>at compile time</a:t>
+            </a:r>
+            <a:r>
+              <a:rPr lang="nl-BE" sz="2400"/>
+              <a:t>)</a:t>
+            </a:r>
+          </a:p>
+          <a:p>
+            <a:pPr lvl="1" eaLnBrk="1" hangingPunct="1"/>
+            <a:r>
+              <a:rPr lang="nl-BE" dirty="0"/>
+              <a:t>Syntaxfouten</a:t>
+            </a:r>
+          </a:p>
+          <a:p>
+            <a:pPr lvl="1" eaLnBrk="1" hangingPunct="1"/>
+            <a:r>
+              <a:rPr lang="nl-BE" dirty="0"/>
+              <a:t>Dit zijn de “eenvoudigste” fouten omdat een compiler je de foutenboodschap geeft</a:t>
+            </a:r>
+          </a:p>
+          <a:p>
+            <a:pPr lvl="1" eaLnBrk="1" hangingPunct="1"/>
+            <a:r>
+              <a:rPr lang="nl-BE" dirty="0"/>
+              <a:t>Met een goede IDE (zoals Visual Studio) krijg je zelfs tijdens het typen onmiddellijk feedback</a:t>
+            </a:r>
+          </a:p>
+          <a:p>
+            <a:pPr lvl="1" eaLnBrk="1" hangingPunct="1"/>
+            <a:endParaRPr lang="nl-BE" dirty="0"/>
+          </a:p>
+          <a:p>
+            <a:pPr lvl="1" eaLnBrk="1" hangingPunct="1"/>
+            <a:r>
+              <a:rPr lang="nl-BE" dirty="0"/>
+              <a:t>Passen we nu reeds toe</a:t>
+            </a:r>
+          </a:p>
+          <a:p>
+            <a:pPr lvl="1" eaLnBrk="1" hangingPunct="1"/>
+            <a:endParaRPr lang="nl-BE" dirty="0"/>
+          </a:p>
+          <a:p>
+            <a:pPr lvl="1" eaLnBrk="1" hangingPunct="1"/>
+            <a:r>
+              <a:rPr lang="nl-BE" dirty="0"/>
+              <a:t>Geen “debugger”-programma nodig</a:t>
+            </a:r>
+            <a:endParaRPr lang="nl-NL" dirty="0"/>
+          </a:p>
+        </p:txBody>
+      </p:sp>
+      <p:sp>
+        <p:nvSpPr>
+          <p:cNvPr id="3" name="Tijdelijke aanduiding voor dianummer 2"/>
+          <p:cNvSpPr>
+            <a:spLocks noGrp="1"/>
+          </p:cNvSpPr>
+          <p:nvPr>
+            <p:ph type="sldNum" sz="quarter" idx="12"/>
+          </p:nvPr>
+        </p:nvSpPr>
+        <p:spPr>
+          <a:xfrm>
+            <a:off x="10571516" y="6033479"/>
+            <a:ext cx="782283" cy="365125"/>
+          </a:xfrm>
+        </p:spPr>
+        <p:txBody>
+          <a:bodyPr>
+            <a:normAutofit/>
+          </a:bodyPr>
+          <a:lstStyle/>
+          <a:p>
+            <a:pPr>
+              <a:spcAft>
+                <a:spcPts val="600"/>
+              </a:spcAft>
+            </a:pPr>
+            <a:fld id="{E8A62353-F7CD-46ED-8877-B27D0E33FCF8}" type="slidenum">
+              <a:rPr lang="nl-BE" sz="1050">
+                <a:solidFill>
+                  <a:schemeClr val="tx1">
+                    <a:alpha val="80000"/>
+                  </a:schemeClr>
+                </a:solidFill>
+              </a:rPr>
+              <a:pPr>
+                <a:spcAft>
+                  <a:spcPts val="600"/>
+                </a:spcAft>
+              </a:pPr>
+              <a:t>5</a:t>
+            </a:fld>
+            <a:endParaRPr lang="nl-BE" sz="1050">
+              <a:solidFill>
+                <a:schemeClr val="tx1">
+                  <a:alpha val="80000"/>
+                </a:schemeClr>
+              </a:solidFill>
+            </a:endParaRPr>
+          </a:p>
+        </p:txBody>
+      </p:sp>
+      <p:sp>
+        <p:nvSpPr>
+          <p:cNvPr id="2" name="Tijdelijke aanduiding voor voettekst 1"/>
+          <p:cNvSpPr>
+            <a:spLocks noGrp="1"/>
+          </p:cNvSpPr>
+          <p:nvPr>
+            <p:ph type="ftr" sz="quarter" idx="11"/>
+          </p:nvPr>
+        </p:nvSpPr>
+        <p:spPr/>
+        <p:txBody>
+          <a:bodyPr/>
+          <a:lstStyle/>
+          <a:p>
+            <a:endParaRPr lang="nl-BE" dirty="0"/>
+          </a:p>
+        </p:txBody>
+      </p:sp>
+    </p:spTree>
+    <p:extLst>
+      <p:ext uri="{BB962C8B-B14F-4D97-AF65-F5344CB8AC3E}">
+        <p14:creationId xmlns:p14="http://schemas.microsoft.com/office/powerpoint/2010/main" val="946718420"/>
       </p:ext>
     </p:extLst>
   </p:cSld>
@@ -14904,7 +14890,7 @@
       </p:sp>
       <p:sp>
         <p:nvSpPr>
-          <p:cNvPr id="9220" name="Rectangle 2"/>
+          <p:cNvPr id="10244" name="Rectangle 2"/>
           <p:cNvSpPr>
             <a:spLocks noGrp="1" noChangeArrowheads="1"/>
           </p:cNvSpPr>
@@ -14926,30 +14912,14 @@
           <a:p>
             <a:pPr algn="r" eaLnBrk="1" hangingPunct="1"/>
             <a:r>
-              <a:rPr lang="nl-BE" dirty="0">
+              <a:rPr lang="nl-BE">
                 <a:solidFill>
                   <a:schemeClr val="accent1"/>
                 </a:solidFill>
               </a:rPr>
-              <a:t>At </a:t>
-            </a:r>
-            <a:r>
-              <a:rPr lang="nl-BE" dirty="0" err="1">
-                <a:solidFill>
-                  <a:schemeClr val="accent1"/>
-                </a:solidFill>
-              </a:rPr>
-              <a:t>compile</a:t>
-            </a:r>
-            <a:r>
-              <a:rPr lang="nl-BE" dirty="0">
-                <a:solidFill>
-                  <a:schemeClr val="accent1"/>
-                </a:solidFill>
-              </a:rPr>
-              <a:t>-time</a:t>
-            </a:r>
-            <a:endParaRPr lang="nl-NL" dirty="0">
+              <a:t>At link-time</a:t>
+            </a:r>
+            <a:endParaRPr lang="nl-NL">
               <a:solidFill>
                 <a:schemeClr val="accent1"/>
               </a:solidFill>
@@ -15014,7 +14984,7 @@
       </p:cxnSp>
       <p:sp>
         <p:nvSpPr>
-          <p:cNvPr id="9221" name="Rectangle 3"/>
+          <p:cNvPr id="10245" name="Rectangle 3"/>
           <p:cNvSpPr>
             <a:spLocks noGrp="1" noChangeArrowheads="1"/>
           </p:cNvSpPr>
@@ -15030,67 +15000,143 @@
         </p:spPr>
         <p:txBody>
           <a:bodyPr anchor="ctr">
-            <a:normAutofit/>
+            <a:normAutofit fontScale="92500"/>
           </a:bodyPr>
           <a:lstStyle/>
           <a:p>
             <a:pPr eaLnBrk="1" hangingPunct="1"/>
             <a:r>
-              <a:rPr lang="nl-BE" sz="2400"/>
-              <a:t>Compilatie (</a:t>
-            </a:r>
-            <a:r>
-              <a:rPr lang="nl-BE" sz="2400" b="1"/>
-              <a:t>at compile time</a:t>
-            </a:r>
-            <a:r>
-              <a:rPr lang="nl-BE" sz="2400"/>
-              <a:t>)</a:t>
+              <a:rPr lang="nl-BE" sz="2400" dirty="0"/>
+              <a:t>Tijdens koppelen/bouwen (</a:t>
+            </a:r>
+            <a:r>
+              <a:rPr lang="nl-BE" sz="2400" dirty="0" err="1"/>
+              <a:t>build</a:t>
+            </a:r>
+            <a:r>
+              <a:rPr lang="nl-BE" sz="2400" dirty="0"/>
+              <a:t>) programma </a:t>
             </a:r>
           </a:p>
           <a:p>
             <a:pPr lvl="1" eaLnBrk="1" hangingPunct="1"/>
             <a:r>
               <a:rPr lang="nl-BE" dirty="0"/>
-              <a:t>Syntaxfouten</a:t>
+              <a:t>Dit is een mechanisme om andere (binaire) code met het eigenlijke programma te verbinden</a:t>
             </a:r>
           </a:p>
           <a:p>
             <a:pPr lvl="1" eaLnBrk="1" hangingPunct="1"/>
             <a:r>
               <a:rPr lang="nl-BE" dirty="0"/>
-              <a:t>Dit zijn de “eenvoudigste” fouten omdat een compiler je de foutenboodschap geeft</a:t>
-            </a:r>
-          </a:p>
-          <a:p>
-            <a:pPr lvl="1" eaLnBrk="1" hangingPunct="1"/>
-            <a:r>
-              <a:rPr lang="nl-BE" dirty="0"/>
-              <a:t>Met een goede IDE (zoals Visual Studio) krijg je zelfs tijdens het typen onmiddellijk feedback</a:t>
-            </a:r>
-          </a:p>
-          <a:p>
-            <a:pPr lvl="1" eaLnBrk="1" hangingPunct="1"/>
-            <a:endParaRPr lang="nl-BE" dirty="0"/>
-          </a:p>
-          <a:p>
-            <a:pPr lvl="1" eaLnBrk="1" hangingPunct="1"/>
-            <a:r>
-              <a:rPr lang="nl-BE" dirty="0"/>
-              <a:t>Passen we nu reeds toe</a:t>
-            </a:r>
-          </a:p>
-          <a:p>
-            <a:pPr lvl="1" eaLnBrk="1" hangingPunct="1"/>
-            <a:endParaRPr lang="nl-BE" dirty="0"/>
-          </a:p>
-          <a:p>
-            <a:pPr lvl="1" eaLnBrk="1" hangingPunct="1"/>
-            <a:r>
-              <a:rPr lang="nl-BE" dirty="0"/>
-              <a:t>Geen “debugger”-programma nodig</a:t>
-            </a:r>
-            <a:endParaRPr lang="nl-NL" dirty="0"/>
+              <a:t>Bijvoorbeeld: </a:t>
+            </a:r>
+            <a:r>
+              <a:rPr lang="nl-BE" dirty="0" err="1">
+                <a:latin typeface="Consolas" pitchFamily="49" charset="0"/>
+                <a:cs typeface="Consolas" pitchFamily="49" charset="0"/>
+              </a:rPr>
+              <a:t>Console.WriteLine</a:t>
+            </a:r>
+            <a:r>
+              <a:rPr lang="nl-BE" dirty="0">
+                <a:latin typeface="Consolas" pitchFamily="49" charset="0"/>
+                <a:cs typeface="Consolas" pitchFamily="49" charset="0"/>
+              </a:rPr>
+              <a:t>(…)</a:t>
+            </a:r>
+          </a:p>
+          <a:p>
+            <a:pPr lvl="2" eaLnBrk="1" hangingPunct="1"/>
+            <a:r>
+              <a:rPr lang="nl-BE" sz="2400" dirty="0"/>
+              <a:t>Waar is de code voor </a:t>
+            </a:r>
+            <a:r>
+              <a:rPr lang="nl-BE" sz="2400" dirty="0" err="1">
+                <a:latin typeface="Consolas" pitchFamily="49" charset="0"/>
+              </a:rPr>
+              <a:t>System.Console</a:t>
+            </a:r>
+            <a:r>
+              <a:rPr lang="nl-BE" sz="2400" dirty="0"/>
+              <a:t>?</a:t>
+            </a:r>
+          </a:p>
+          <a:p>
+            <a:pPr lvl="2" eaLnBrk="1" hangingPunct="1"/>
+            <a:r>
+              <a:rPr lang="nl-BE" sz="2400" dirty="0"/>
+              <a:t>Op welke manier wordt dit “at </a:t>
+            </a:r>
+            <a:r>
+              <a:rPr lang="nl-BE" sz="2400" dirty="0" err="1"/>
+              <a:t>runtime</a:t>
+            </a:r>
+            <a:r>
+              <a:rPr lang="nl-BE" sz="2400" dirty="0"/>
+              <a:t>” gevonden?</a:t>
+            </a:r>
+          </a:p>
+          <a:p>
+            <a:pPr lvl="2" eaLnBrk="1" hangingPunct="1"/>
+            <a:r>
+              <a:rPr lang="nl-BE" sz="2400" dirty="0">
+                <a:sym typeface="Wingdings" pitchFamily="2" charset="2"/>
+              </a:rPr>
+              <a:t> .NET </a:t>
+            </a:r>
+            <a:r>
+              <a:rPr lang="nl-BE" sz="2400" dirty="0" err="1">
+                <a:sym typeface="Wingdings" pitchFamily="2" charset="2"/>
+              </a:rPr>
+              <a:t>Managed</a:t>
+            </a:r>
+            <a:r>
+              <a:rPr lang="nl-BE" sz="2400" dirty="0">
+                <a:sym typeface="Wingdings" pitchFamily="2" charset="2"/>
+              </a:rPr>
+              <a:t> </a:t>
+            </a:r>
+            <a:r>
+              <a:rPr lang="nl-BE" sz="2400" dirty="0" err="1">
+                <a:sym typeface="Wingdings" pitchFamily="2" charset="2"/>
+              </a:rPr>
+              <a:t>Execution</a:t>
+            </a:r>
+            <a:r>
+              <a:rPr lang="nl-BE" sz="2400" dirty="0">
+                <a:sym typeface="Wingdings" pitchFamily="2" charset="2"/>
+              </a:rPr>
+              <a:t> Environment</a:t>
+            </a:r>
+          </a:p>
+          <a:p>
+            <a:pPr lvl="2" eaLnBrk="1" hangingPunct="1"/>
+            <a:endParaRPr lang="nl-BE" sz="2400" dirty="0">
+              <a:sym typeface="Wingdings" pitchFamily="2" charset="2"/>
+            </a:endParaRPr>
+          </a:p>
+          <a:p>
+            <a:pPr lvl="1"/>
+            <a:r>
+              <a:rPr lang="nl-BE" sz="2800" dirty="0">
+                <a:sym typeface="Wingdings" pitchFamily="2" charset="2"/>
+              </a:rPr>
+              <a:t>Zien we volgend jaar in actie bij Game </a:t>
+            </a:r>
+            <a:r>
+              <a:rPr lang="nl-BE" sz="2800" dirty="0" err="1">
+                <a:sym typeface="Wingdings" pitchFamily="2" charset="2"/>
+              </a:rPr>
+              <a:t>Dev</a:t>
+            </a:r>
+            <a:br>
+              <a:rPr lang="nl-BE" sz="2800" dirty="0">
+                <a:sym typeface="Wingdings" pitchFamily="2" charset="2"/>
+              </a:rPr>
+            </a:br>
+            <a:endParaRPr lang="nl-NL" sz="2800" dirty="0"/>
           </a:p>
         </p:txBody>
       </p:sp>
@@ -15161,14 +15207,66 @@
           <a:bodyPr/>
           <a:lstStyle/>
           <a:p>
+            <a:pPr>
+              <a:spcAft>
+                <a:spcPts val="600"/>
+              </a:spcAft>
+            </a:pPr>
             <a:endParaRPr lang="nl-BE" dirty="0"/>
           </a:p>
         </p:txBody>
       </p:sp>
+      <p:pic>
+        <p:nvPicPr>
+          <p:cNvPr id="2050" name="Picture 2" descr="Image result for linker programming">
+            <a:extLst>
+              <a:ext uri="{FF2B5EF4-FFF2-40B4-BE49-F238E27FC236}">
+                <a16:creationId xmlns:a16="http://schemas.microsoft.com/office/drawing/2014/main" id="{5C11CD02-B1FD-48C6-8405-AAE4A1920F2A}"/>
+              </a:ext>
+            </a:extLst>
+          </p:cNvPr>
+          <p:cNvPicPr>
+            <a:picLocks noChangeAspect="1" noChangeArrowheads="1"/>
+          </p:cNvPicPr>
+          <p:nvPr/>
+        </p:nvPicPr>
+        <p:blipFill>
+          <a:blip r:embed="rId3">
+            <a:extLst>
+              <a:ext uri="{28A0092B-C50C-407E-A947-70E740481C1C}">
+                <a14:useLocalDpi xmlns:a14="http://schemas.microsoft.com/office/drawing/2010/main" val="0"/>
+              </a:ext>
+            </a:extLst>
+          </a:blip>
+          <a:srcRect/>
+          <a:stretch>
+            <a:fillRect/>
+          </a:stretch>
+        </p:blipFill>
+        <p:spPr bwMode="auto">
+          <a:xfrm>
+            <a:off x="1919536" y="3836379"/>
+            <a:ext cx="2095500" cy="2562225"/>
+          </a:xfrm>
+          <a:prstGeom prst="rect">
+            <a:avLst/>
+          </a:prstGeom>
+          <a:noFill/>
+          <a:extLst>
+            <a:ext uri="{909E8E84-426E-40DD-AFC4-6F175D3DCCD1}">
+              <a14:hiddenFill xmlns:a14="http://schemas.microsoft.com/office/drawing/2010/main">
+                <a:solidFill>
+                  <a:srgbClr val="FFFFFF"/>
+                </a:solidFill>
+              </a14:hiddenFill>
+            </a:ext>
+          </a:extLst>
+        </p:spPr>
+      </p:pic>
     </p:spTree>
     <p:extLst>
       <p:ext uri="{BB962C8B-B14F-4D97-AF65-F5344CB8AC3E}">
-        <p14:creationId xmlns:p14="http://schemas.microsoft.com/office/powerpoint/2010/main" val="946718420"/>
+        <p14:creationId xmlns:p14="http://schemas.microsoft.com/office/powerpoint/2010/main" val="588014766"/>
       </p:ext>
     </p:extLst>
   </p:cSld>
@@ -15270,484 +15368,6 @@
       </p:sp>
       <p:sp>
         <p:nvSpPr>
-          <p:cNvPr id="10244" name="Rectangle 2"/>
-          <p:cNvSpPr>
-            <a:spLocks noGrp="1" noChangeArrowheads="1"/>
-          </p:cNvSpPr>
-          <p:nvPr>
-            <p:ph type="title"/>
-          </p:nvPr>
-        </p:nvSpPr>
-        <p:spPr>
-          <a:xfrm>
-            <a:off x="838200" y="963877"/>
-            <a:ext cx="3494362" cy="4930246"/>
-          </a:xfrm>
-        </p:spPr>
-        <p:txBody>
-          <a:bodyPr>
-            <a:normAutofit/>
-          </a:bodyPr>
-          <a:lstStyle/>
-          <a:p>
-            <a:pPr algn="r" eaLnBrk="1" hangingPunct="1"/>
-            <a:r>
-              <a:rPr lang="nl-BE">
-                <a:solidFill>
-                  <a:schemeClr val="accent1"/>
-                </a:solidFill>
-              </a:rPr>
-              <a:t>At link-time</a:t>
-            </a:r>
-            <a:endParaRPr lang="nl-NL">
-              <a:solidFill>
-                <a:schemeClr val="accent1"/>
-              </a:solidFill>
-            </a:endParaRPr>
-          </a:p>
-        </p:txBody>
-      </p:sp>
-      <p:cxnSp>
-        <p:nvCxnSpPr>
-          <p:cNvPr id="76" name="Straight Connector 75">
-            <a:extLst>
-              <a:ext uri="{FF2B5EF4-FFF2-40B4-BE49-F238E27FC236}">
-                <a16:creationId xmlns:a16="http://schemas.microsoft.com/office/drawing/2014/main" id="{2D72A2C9-F3CA-4216-8BAD-FA4C970C3C4E}"/>
-              </a:ext>
-              <a:ext uri="{C183D7F6-B498-43B3-948B-1728B52AA6E4}">
-                <adec:decorative xmlns:adec="http://schemas.microsoft.com/office/drawing/2017/decorative" val="1"/>
-              </a:ext>
-            </a:extLst>
-          </p:cNvPr>
-          <p:cNvCxnSpPr>
-            <a:cxnSpLocks noGrp="1" noRot="1" noChangeAspect="1" noMove="1" noResize="1" noEditPoints="1" noAdjustHandles="1" noChangeArrowheads="1" noChangeShapeType="1"/>
-          </p:cNvCxnSpPr>
-          <p:nvPr>
-            <p:extLst>
-              <p:ext uri="{386F3935-93C4-4BCD-93E2-E3B085C9AB24}">
-                <p16:designElem xmlns:p16="http://schemas.microsoft.com/office/powerpoint/2015/main" val="1"/>
-              </p:ext>
-            </p:extLst>
-          </p:nvPr>
-        </p:nvCxnSpPr>
-        <p:spPr>
-          <a:xfrm>
-            <a:off x="4654296" y="2057400"/>
-            <a:ext cx="0" cy="2743200"/>
-          </a:xfrm>
-          <a:prstGeom prst="line">
-            <a:avLst/>
-          </a:prstGeom>
-          <a:ln w="19050">
-            <a:solidFill>
-              <a:schemeClr val="tx1">
-                <a:lumMod val="85000"/>
-                <a:lumOff val="15000"/>
-              </a:schemeClr>
-            </a:solidFill>
-          </a:ln>
-        </p:spPr>
-        <p:style>
-          <a:lnRef idx="1">
-            <a:schemeClr val="accent1"/>
-          </a:lnRef>
-          <a:fillRef idx="0">
-            <a:schemeClr val="accent1"/>
-          </a:fillRef>
-          <a:effectRef idx="0">
-            <a:schemeClr val="accent1"/>
-          </a:effectRef>
-          <a:fontRef idx="minor">
-            <a:schemeClr val="tx1"/>
-          </a:fontRef>
-        </p:style>
-      </p:cxnSp>
-      <p:sp>
-        <p:nvSpPr>
-          <p:cNvPr id="10245" name="Rectangle 3"/>
-          <p:cNvSpPr>
-            <a:spLocks noGrp="1" noChangeArrowheads="1"/>
-          </p:cNvSpPr>
-          <p:nvPr>
-            <p:ph type="body" idx="1"/>
-          </p:nvPr>
-        </p:nvSpPr>
-        <p:spPr>
-          <a:xfrm>
-            <a:off x="4976031" y="963877"/>
-            <a:ext cx="6377769" cy="4930246"/>
-          </a:xfrm>
-        </p:spPr>
-        <p:txBody>
-          <a:bodyPr anchor="ctr">
-            <a:normAutofit fontScale="92500"/>
-          </a:bodyPr>
-          <a:lstStyle/>
-          <a:p>
-            <a:pPr eaLnBrk="1" hangingPunct="1"/>
-            <a:r>
-              <a:rPr lang="nl-BE" sz="2400" dirty="0"/>
-              <a:t>Tijdens koppelen/bouwen (</a:t>
-            </a:r>
-            <a:r>
-              <a:rPr lang="nl-BE" sz="2400" dirty="0" err="1"/>
-              <a:t>build</a:t>
-            </a:r>
-            <a:r>
-              <a:rPr lang="nl-BE" sz="2400" dirty="0"/>
-              <a:t>) programma </a:t>
-            </a:r>
-          </a:p>
-          <a:p>
-            <a:pPr lvl="1" eaLnBrk="1" hangingPunct="1"/>
-            <a:r>
-              <a:rPr lang="nl-BE" dirty="0"/>
-              <a:t>Dit is een mechanisme om andere (binaire) code met het eigenlijke programma te verbinden</a:t>
-            </a:r>
-          </a:p>
-          <a:p>
-            <a:pPr lvl="1" eaLnBrk="1" hangingPunct="1"/>
-            <a:r>
-              <a:rPr lang="nl-BE" dirty="0"/>
-              <a:t>Bijvoorbeeld: </a:t>
-            </a:r>
-            <a:r>
-              <a:rPr lang="nl-BE" dirty="0" err="1">
-                <a:latin typeface="Consolas" pitchFamily="49" charset="0"/>
-                <a:cs typeface="Consolas" pitchFamily="49" charset="0"/>
-              </a:rPr>
-              <a:t>Console.WriteLine</a:t>
-            </a:r>
-            <a:r>
-              <a:rPr lang="nl-BE" dirty="0">
-                <a:latin typeface="Consolas" pitchFamily="49" charset="0"/>
-                <a:cs typeface="Consolas" pitchFamily="49" charset="0"/>
-              </a:rPr>
-              <a:t>(…)</a:t>
-            </a:r>
-          </a:p>
-          <a:p>
-            <a:pPr lvl="2" eaLnBrk="1" hangingPunct="1"/>
-            <a:r>
-              <a:rPr lang="nl-BE" sz="2400" dirty="0"/>
-              <a:t>Waar is de code voor </a:t>
-            </a:r>
-            <a:r>
-              <a:rPr lang="nl-BE" sz="2400" dirty="0" err="1">
-                <a:latin typeface="Consolas" pitchFamily="49" charset="0"/>
-              </a:rPr>
-              <a:t>System.Console</a:t>
-            </a:r>
-            <a:r>
-              <a:rPr lang="nl-BE" sz="2400" dirty="0"/>
-              <a:t>?</a:t>
-            </a:r>
-          </a:p>
-          <a:p>
-            <a:pPr lvl="2" eaLnBrk="1" hangingPunct="1"/>
-            <a:r>
-              <a:rPr lang="nl-BE" sz="2400" dirty="0"/>
-              <a:t>Op welke manier wordt dit “at </a:t>
-            </a:r>
-            <a:r>
-              <a:rPr lang="nl-BE" sz="2400" dirty="0" err="1"/>
-              <a:t>runtime</a:t>
-            </a:r>
-            <a:r>
-              <a:rPr lang="nl-BE" sz="2400" dirty="0"/>
-              <a:t>” gevonden?</a:t>
-            </a:r>
-          </a:p>
-          <a:p>
-            <a:pPr lvl="2" eaLnBrk="1" hangingPunct="1"/>
-            <a:r>
-              <a:rPr lang="nl-BE" sz="2400" dirty="0">
-                <a:sym typeface="Wingdings" pitchFamily="2" charset="2"/>
-              </a:rPr>
-              <a:t> .NET </a:t>
-            </a:r>
-            <a:r>
-              <a:rPr lang="nl-BE" sz="2400" dirty="0" err="1">
-                <a:sym typeface="Wingdings" pitchFamily="2" charset="2"/>
-              </a:rPr>
-              <a:t>Managed</a:t>
-            </a:r>
-            <a:r>
-              <a:rPr lang="nl-BE" sz="2400" dirty="0">
-                <a:sym typeface="Wingdings" pitchFamily="2" charset="2"/>
-              </a:rPr>
-              <a:t> </a:t>
-            </a:r>
-            <a:r>
-              <a:rPr lang="nl-BE" sz="2400" dirty="0" err="1">
-                <a:sym typeface="Wingdings" pitchFamily="2" charset="2"/>
-              </a:rPr>
-              <a:t>Execution</a:t>
-            </a:r>
-            <a:r>
-              <a:rPr lang="nl-BE" sz="2400" dirty="0">
-                <a:sym typeface="Wingdings" pitchFamily="2" charset="2"/>
-              </a:rPr>
-              <a:t> Environment</a:t>
-            </a:r>
-          </a:p>
-          <a:p>
-            <a:pPr lvl="2" eaLnBrk="1" hangingPunct="1"/>
-            <a:endParaRPr lang="nl-BE" sz="2400" dirty="0">
-              <a:sym typeface="Wingdings" pitchFamily="2" charset="2"/>
-            </a:endParaRPr>
-          </a:p>
-          <a:p>
-            <a:pPr lvl="1"/>
-            <a:r>
-              <a:rPr lang="nl-BE" sz="2800" dirty="0">
-                <a:sym typeface="Wingdings" pitchFamily="2" charset="2"/>
-              </a:rPr>
-              <a:t>Zien we volgend jaar in actie bij Game </a:t>
-            </a:r>
-            <a:r>
-              <a:rPr lang="nl-BE" sz="2800" dirty="0" err="1">
-                <a:sym typeface="Wingdings" pitchFamily="2" charset="2"/>
-              </a:rPr>
-              <a:t>Dev</a:t>
-            </a:r>
-            <a:br>
-              <a:rPr lang="nl-BE" sz="2800" dirty="0">
-                <a:sym typeface="Wingdings" pitchFamily="2" charset="2"/>
-              </a:rPr>
-            </a:br>
-            <a:endParaRPr lang="nl-NL" sz="2800" dirty="0"/>
-          </a:p>
-        </p:txBody>
-      </p:sp>
-      <p:sp>
-        <p:nvSpPr>
-          <p:cNvPr id="3" name="Tijdelijke aanduiding voor dianummer 2"/>
-          <p:cNvSpPr>
-            <a:spLocks noGrp="1"/>
-          </p:cNvSpPr>
-          <p:nvPr>
-            <p:ph type="sldNum" sz="quarter" idx="12"/>
-          </p:nvPr>
-        </p:nvSpPr>
-        <p:spPr>
-          <a:xfrm>
-            <a:off x="10571516" y="6033479"/>
-            <a:ext cx="782283" cy="365125"/>
-          </a:xfrm>
-        </p:spPr>
-        <p:txBody>
-          <a:bodyPr>
-            <a:normAutofit/>
-          </a:bodyPr>
-          <a:lstStyle/>
-          <a:p>
-            <a:pPr>
-              <a:spcAft>
-                <a:spcPts val="600"/>
-              </a:spcAft>
-            </a:pPr>
-            <a:fld id="{E8A62353-F7CD-46ED-8877-B27D0E33FCF8}" type="slidenum">
-              <a:rPr lang="nl-BE" sz="1050">
-                <a:solidFill>
-                  <a:schemeClr val="tx1">
-                    <a:alpha val="80000"/>
-                  </a:schemeClr>
-                </a:solidFill>
-              </a:rPr>
-              <a:pPr>
-                <a:spcAft>
-                  <a:spcPts val="600"/>
-                </a:spcAft>
-              </a:pPr>
-              <a:t>7</a:t>
-            </a:fld>
-            <a:endParaRPr lang="nl-BE" sz="1050">
-              <a:solidFill>
-                <a:schemeClr val="tx1">
-                  <a:alpha val="80000"/>
-                </a:schemeClr>
-              </a:solidFill>
-            </a:endParaRPr>
-          </a:p>
-        </p:txBody>
-      </p:sp>
-      <p:sp>
-        <p:nvSpPr>
-          <p:cNvPr id="2" name="Tijdelijke aanduiding voor voettekst 1"/>
-          <p:cNvSpPr>
-            <a:spLocks noGrp="1"/>
-          </p:cNvSpPr>
-          <p:nvPr>
-            <p:ph type="ftr" sz="quarter" idx="11"/>
-          </p:nvPr>
-        </p:nvSpPr>
-        <p:spPr/>
-        <p:txBody>
-          <a:bodyPr/>
-          <a:lstStyle/>
-          <a:p>
-            <a:pPr>
-              <a:spcAft>
-                <a:spcPts val="600"/>
-              </a:spcAft>
-            </a:pPr>
-            <a:endParaRPr lang="nl-BE" dirty="0"/>
-          </a:p>
-        </p:txBody>
-      </p:sp>
-      <p:pic>
-        <p:nvPicPr>
-          <p:cNvPr id="2050" name="Picture 2" descr="Image result for linker programming">
-            <a:extLst>
-              <a:ext uri="{FF2B5EF4-FFF2-40B4-BE49-F238E27FC236}">
-                <a16:creationId xmlns:a16="http://schemas.microsoft.com/office/drawing/2014/main" id="{5C11CD02-B1FD-48C6-8405-AAE4A1920F2A}"/>
-              </a:ext>
-            </a:extLst>
-          </p:cNvPr>
-          <p:cNvPicPr>
-            <a:picLocks noChangeAspect="1" noChangeArrowheads="1"/>
-          </p:cNvPicPr>
-          <p:nvPr/>
-        </p:nvPicPr>
-        <p:blipFill>
-          <a:blip r:embed="rId3">
-            <a:extLst>
-              <a:ext uri="{28A0092B-C50C-407E-A947-70E740481C1C}">
-                <a14:useLocalDpi xmlns:a14="http://schemas.microsoft.com/office/drawing/2010/main" val="0"/>
-              </a:ext>
-            </a:extLst>
-          </a:blip>
-          <a:srcRect/>
-          <a:stretch>
-            <a:fillRect/>
-          </a:stretch>
-        </p:blipFill>
-        <p:spPr bwMode="auto">
-          <a:xfrm>
-            <a:off x="1919536" y="3836379"/>
-            <a:ext cx="2095500" cy="2562225"/>
-          </a:xfrm>
-          <a:prstGeom prst="rect">
-            <a:avLst/>
-          </a:prstGeom>
-          <a:noFill/>
-          <a:extLst>
-            <a:ext uri="{909E8E84-426E-40DD-AFC4-6F175D3DCCD1}">
-              <a14:hiddenFill xmlns:a14="http://schemas.microsoft.com/office/drawing/2010/main">
-                <a:solidFill>
-                  <a:srgbClr val="FFFFFF"/>
-                </a:solidFill>
-              </a14:hiddenFill>
-            </a:ext>
-          </a:extLst>
-        </p:spPr>
-      </p:pic>
-    </p:spTree>
-    <p:extLst>
-      <p:ext uri="{BB962C8B-B14F-4D97-AF65-F5344CB8AC3E}">
-        <p14:creationId xmlns:p14="http://schemas.microsoft.com/office/powerpoint/2010/main" val="588014766"/>
-      </p:ext>
-    </p:extLst>
-  </p:cSld>
-  <p:clrMapOvr>
-    <a:masterClrMapping/>
-  </p:clrMapOvr>
-</p:sld>
-</file>
-
-<file path=ppt/slides/slide8.xml><?xml version="1.0" encoding="utf-8"?>
-<p:sld xmlns:a="http://schemas.openxmlformats.org/drawingml/2006/main" xmlns:r="http://schemas.openxmlformats.org/officeDocument/2006/relationships" xmlns:p="http://schemas.openxmlformats.org/presentationml/2006/main">
-  <p:cSld>
-    <p:bg>
-      <p:bgPr>
-        <a:solidFill>
-          <a:schemeClr val="bg1"/>
-        </a:solidFill>
-        <a:effectLst/>
-      </p:bgPr>
-    </p:bg>
-    <p:spTree>
-      <p:nvGrpSpPr>
-        <p:cNvPr id="1" name=""/>
-        <p:cNvGrpSpPr/>
-        <p:nvPr/>
-      </p:nvGrpSpPr>
-      <p:grpSpPr>
-        <a:xfrm>
-          <a:off x="0" y="0"/>
-          <a:ext cx="0" cy="0"/>
-          <a:chOff x="0" y="0"/>
-          <a:chExt cx="0" cy="0"/>
-        </a:xfrm>
-      </p:grpSpPr>
-      <p:sp>
-        <p:nvSpPr>
-          <p:cNvPr id="74" name="Rectangle 73">
-            <a:extLst>
-              <a:ext uri="{FF2B5EF4-FFF2-40B4-BE49-F238E27FC236}">
-                <a16:creationId xmlns:a16="http://schemas.microsoft.com/office/drawing/2014/main" id="{8D70B121-56F4-4848-B38B-182089D909FA}"/>
-              </a:ext>
-              <a:ext uri="{C183D7F6-B498-43B3-948B-1728B52AA6E4}">
-                <adec:decorative xmlns:adec="http://schemas.microsoft.com/office/drawing/2017/decorative" val="1"/>
-              </a:ext>
-            </a:extLst>
-          </p:cNvPr>
-          <p:cNvSpPr>
-            <a:spLocks noGrp="1" noRot="1" noChangeAspect="1" noMove="1" noResize="1" noEditPoints="1" noAdjustHandles="1" noChangeArrowheads="1" noChangeShapeType="1" noTextEdit="1"/>
-          </p:cNvSpPr>
-          <p:nvPr>
-            <p:extLst>
-              <p:ext uri="{386F3935-93C4-4BCD-93E2-E3B085C9AB24}">
-                <p16:designElem xmlns:p16="http://schemas.microsoft.com/office/powerpoint/2015/main" val="1"/>
-              </p:ext>
-            </p:extLst>
-          </p:nvPr>
-        </p:nvSpPr>
-        <p:spPr bwMode="ltGray">
-          <a:xfrm>
-            <a:off x="321564" y="320040"/>
-            <a:ext cx="11548872" cy="6217920"/>
-          </a:xfrm>
-          <a:prstGeom prst="rect">
-            <a:avLst/>
-          </a:prstGeom>
-          <a:solidFill>
-            <a:schemeClr val="tx1">
-              <a:alpha val="8000"/>
-            </a:schemeClr>
-          </a:solidFill>
-          <a:ln w="127000" cap="sq" cmpd="thinThick">
-            <a:noFill/>
-          </a:ln>
-        </p:spPr>
-        <p:style>
-          <a:lnRef idx="2">
-            <a:schemeClr val="accent1">
-              <a:shade val="50000"/>
-            </a:schemeClr>
-          </a:lnRef>
-          <a:fillRef idx="1">
-            <a:schemeClr val="accent1"/>
-          </a:fillRef>
-          <a:effectRef idx="0">
-            <a:schemeClr val="accent1"/>
-          </a:effectRef>
-          <a:fontRef idx="minor">
-            <a:schemeClr val="lt1"/>
-          </a:fontRef>
-        </p:style>
-        <p:txBody>
-          <a:bodyPr rtlCol="0" anchor="ctr"/>
-          <a:lstStyle/>
-          <a:p>
-            <a:pPr algn="ctr"/>
-            <a:endParaRPr lang="en-US"/>
-          </a:p>
-        </p:txBody>
-      </p:sp>
-      <p:sp>
-        <p:nvSpPr>
           <p:cNvPr id="11268" name="Rectangle 2"/>
           <p:cNvSpPr>
             <a:spLocks noGrp="1" noChangeArrowheads="1"/>
@@ -15958,7 +15578,7 @@
                   <a:spcPts val="600"/>
                 </a:spcAft>
               </a:pPr>
-              <a:t>8</a:t>
+              <a:t>7</a:t>
             </a:fld>
             <a:endParaRPr lang="nl-BE" sz="1050">
               <a:solidFill>
@@ -16007,7 +15627,7 @@
 </p:sld>
 </file>
 
-<file path=ppt/slides/slide9.xml><?xml version="1.0" encoding="utf-8"?>
+<file path=ppt/slides/slide8.xml><?xml version="1.0" encoding="utf-8"?>
 <p:sld xmlns:a="http://schemas.openxmlformats.org/drawingml/2006/main" xmlns:r="http://schemas.openxmlformats.org/officeDocument/2006/relationships" xmlns:p="http://schemas.openxmlformats.org/presentationml/2006/main">
   <p:cSld>
     <p:bg>
@@ -16388,7 +16008,7 @@
                   <a:spcPts val="600"/>
                 </a:spcAft>
               </a:pPr>
-              <a:t>9</a:t>
+              <a:t>8</a:t>
             </a:fld>
             <a:endParaRPr lang="nl-BE" sz="1000">
               <a:solidFill>
@@ -16426,6 +16046,229 @@
     <p:extLst>
       <p:ext uri="{BB962C8B-B14F-4D97-AF65-F5344CB8AC3E}">
         <p14:creationId xmlns:p14="http://schemas.microsoft.com/office/powerpoint/2010/main" val="404284168"/>
+      </p:ext>
+    </p:extLst>
+  </p:cSld>
+  <p:clrMapOvr>
+    <a:masterClrMapping/>
+  </p:clrMapOvr>
+</p:sld>
+</file>
+
+<file path=ppt/slides/slide9.xml><?xml version="1.0" encoding="utf-8"?>
+<p:sld xmlns:a="http://schemas.openxmlformats.org/drawingml/2006/main" xmlns:r="http://schemas.openxmlformats.org/officeDocument/2006/relationships" xmlns:p="http://schemas.openxmlformats.org/presentationml/2006/main">
+  <p:cSld>
+    <p:spTree>
+      <p:nvGrpSpPr>
+        <p:cNvPr id="1" name=""/>
+        <p:cNvGrpSpPr/>
+        <p:nvPr/>
+      </p:nvGrpSpPr>
+      <p:grpSpPr>
+        <a:xfrm>
+          <a:off x="0" y="0"/>
+          <a:ext cx="0" cy="0"/>
+          <a:chOff x="0" y="0"/>
+          <a:chExt cx="0" cy="0"/>
+        </a:xfrm>
+      </p:grpSpPr>
+      <p:sp>
+        <p:nvSpPr>
+          <p:cNvPr id="2" name="Titel 1">
+            <a:extLst>
+              <a:ext uri="{FF2B5EF4-FFF2-40B4-BE49-F238E27FC236}">
+                <a16:creationId xmlns:a16="http://schemas.microsoft.com/office/drawing/2014/main" id="{5A50AE3B-CD8C-487A-B223-DC13D595B226}"/>
+              </a:ext>
+            </a:extLst>
+          </p:cNvPr>
+          <p:cNvSpPr>
+            <a:spLocks noGrp="1"/>
+          </p:cNvSpPr>
+          <p:nvPr>
+            <p:ph type="title"/>
+          </p:nvPr>
+        </p:nvSpPr>
+        <p:spPr/>
+        <p:txBody>
+          <a:bodyPr/>
+          <a:lstStyle/>
+          <a:p>
+            <a:r>
+              <a:rPr lang="nl-BE" dirty="0"/>
+              <a:t>Breakpoint zetten</a:t>
+            </a:r>
+          </a:p>
+        </p:txBody>
+      </p:sp>
+      <p:pic>
+        <p:nvPicPr>
+          <p:cNvPr id="6" name="Tijdelijke aanduiding voor inhoud 5" descr="Afbeelding met computer&#10;&#10;Automatisch gegenereerde beschrijving">
+            <a:extLst>
+              <a:ext uri="{FF2B5EF4-FFF2-40B4-BE49-F238E27FC236}">
+                <a16:creationId xmlns:a16="http://schemas.microsoft.com/office/drawing/2014/main" id="{9BA92AC2-AB1C-4304-AF37-ECFA8750F0B6}"/>
+              </a:ext>
+            </a:extLst>
+          </p:cNvPr>
+          <p:cNvPicPr>
+            <a:picLocks noGrp="1" noChangeAspect="1"/>
+          </p:cNvPicPr>
+          <p:nvPr>
+            <p:ph idx="1"/>
+          </p:nvPr>
+        </p:nvPicPr>
+        <p:blipFill>
+          <a:blip r:embed="rId2">
+            <a:extLst>
+              <a:ext uri="{28A0092B-C50C-407E-A947-70E740481C1C}">
+                <a14:useLocalDpi xmlns:a14="http://schemas.microsoft.com/office/drawing/2010/main" val="0"/>
+              </a:ext>
+            </a:extLst>
+          </a:blip>
+          <a:stretch>
+            <a:fillRect/>
+          </a:stretch>
+        </p:blipFill>
+        <p:spPr>
+          <a:xfrm>
+            <a:off x="1055440" y="1397259"/>
+            <a:ext cx="10657184" cy="4664593"/>
+          </a:xfrm>
+        </p:spPr>
+      </p:pic>
+      <p:sp>
+        <p:nvSpPr>
+          <p:cNvPr id="4" name="Tijdelijke aanduiding voor dianummer 3">
+            <a:extLst>
+              <a:ext uri="{FF2B5EF4-FFF2-40B4-BE49-F238E27FC236}">
+                <a16:creationId xmlns:a16="http://schemas.microsoft.com/office/drawing/2014/main" id="{1A9322CF-FA21-4DAF-90BA-610C0617927A}"/>
+              </a:ext>
+            </a:extLst>
+          </p:cNvPr>
+          <p:cNvSpPr>
+            <a:spLocks noGrp="1"/>
+          </p:cNvSpPr>
+          <p:nvPr>
+            <p:ph type="sldNum" sz="quarter" idx="12"/>
+          </p:nvPr>
+        </p:nvSpPr>
+        <p:spPr/>
+        <p:txBody>
+          <a:bodyPr/>
+          <a:lstStyle/>
+          <a:p>
+            <a:fld id="{E8A62353-F7CD-46ED-8877-B27D0E33FCF8}" type="slidenum">
+              <a:rPr lang="nl-BE" smtClean="0"/>
+              <a:t>9</a:t>
+            </a:fld>
+            <a:endParaRPr lang="nl-BE"/>
+          </a:p>
+        </p:txBody>
+      </p:sp>
+      <p:sp>
+        <p:nvSpPr>
+          <p:cNvPr id="7" name="Tekstvak 6">
+            <a:extLst>
+              <a:ext uri="{FF2B5EF4-FFF2-40B4-BE49-F238E27FC236}">
+                <a16:creationId xmlns:a16="http://schemas.microsoft.com/office/drawing/2014/main" id="{9C1FE827-7E66-4432-A86D-F2E34D343B88}"/>
+              </a:ext>
+            </a:extLst>
+          </p:cNvPr>
+          <p:cNvSpPr txBox="1"/>
+          <p:nvPr/>
+        </p:nvSpPr>
+        <p:spPr>
+          <a:xfrm>
+            <a:off x="8610600" y="64612"/>
+            <a:ext cx="3816424" cy="1200329"/>
+          </a:xfrm>
+          <a:prstGeom prst="rect">
+            <a:avLst/>
+          </a:prstGeom>
+          <a:noFill/>
+        </p:spPr>
+        <p:txBody>
+          <a:bodyPr wrap="square" rtlCol="0">
+            <a:spAutoFit/>
+          </a:bodyPr>
+          <a:lstStyle/>
+          <a:p>
+            <a:r>
+              <a:rPr lang="nl-BE" dirty="0"/>
+              <a:t>Breakpoint: uitvoer zal op dit punt, VOOR deze lijn, ‘pauzeren’ en naar Visual Code gaan</a:t>
+            </a:r>
+          </a:p>
+          <a:p>
+            <a:r>
+              <a:rPr lang="nl-BE" dirty="0"/>
+              <a:t>Meerdere breakpoints toegelaten</a:t>
+            </a:r>
+          </a:p>
+        </p:txBody>
+      </p:sp>
+      <p:sp>
+        <p:nvSpPr>
+          <p:cNvPr id="8" name="Rechthoek 7">
+            <a:extLst>
+              <a:ext uri="{FF2B5EF4-FFF2-40B4-BE49-F238E27FC236}">
+                <a16:creationId xmlns:a16="http://schemas.microsoft.com/office/drawing/2014/main" id="{F55B6DAB-B78B-46A1-8C95-8CC11F092E82}"/>
+              </a:ext>
+            </a:extLst>
+          </p:cNvPr>
+          <p:cNvSpPr/>
+          <p:nvPr/>
+        </p:nvSpPr>
+        <p:spPr>
+          <a:xfrm>
+            <a:off x="191344" y="6169709"/>
+            <a:ext cx="12097344" cy="646331"/>
+          </a:xfrm>
+          <a:prstGeom prst="rect">
+            <a:avLst/>
+          </a:prstGeom>
+        </p:spPr>
+        <p:txBody>
+          <a:bodyPr wrap="square">
+            <a:spAutoFit/>
+          </a:bodyPr>
+          <a:lstStyle/>
+          <a:p>
+            <a:r>
+              <a:rPr lang="nl-BE" dirty="0"/>
+              <a:t>Bekijk je deze slides in pdf? De </a:t>
+            </a:r>
+            <a:r>
+              <a:rPr lang="nl-BE" dirty="0" err="1"/>
+              <a:t>animated</a:t>
+            </a:r>
+            <a:r>
+              <a:rPr lang="nl-BE" dirty="0"/>
+              <a:t> </a:t>
+            </a:r>
+            <a:r>
+              <a:rPr lang="nl-BE" dirty="0" err="1"/>
+              <a:t>gifs</a:t>
+            </a:r>
+            <a:r>
+              <a:rPr lang="nl-BE" dirty="0"/>
+              <a:t> in deze en volgende slides kan je hier in beweging zien </a:t>
+            </a:r>
+            <a:r>
+              <a:rPr lang="nl-BE" dirty="0">
+                <a:hlinkClick r:id="rId3"/>
+              </a:rPr>
+              <a:t>https://tutorials.visualstudio.com/vs-get-started/debugging</a:t>
+            </a:r>
+            <a:r>
+              <a:rPr lang="nl-BE" dirty="0"/>
+              <a:t> </a:t>
+            </a:r>
+          </a:p>
+        </p:txBody>
+      </p:sp>
+    </p:spTree>
+    <p:extLst>
+      <p:ext uri="{BB962C8B-B14F-4D97-AF65-F5344CB8AC3E}">
+        <p14:creationId xmlns:p14="http://schemas.microsoft.com/office/powerpoint/2010/main" val="2589707901"/>
       </p:ext>
     </p:extLst>
   </p:cSld>
